--- a/docs/figures.pptx
+++ b/docs/figures.pptx
@@ -263,7 +263,7 @@
           <a:p>
             <a:fld id="{CB472A81-3490-7E45-BCFD-E5C4421ADE95}" type="datetimeFigureOut">
               <a:rPr lang="en-US" smtClean="0"/>
-              <a:t>9/8/22</a:t>
+              <a:t>9/15/22</a:t>
             </a:fld>
             <a:endParaRPr lang="en-US"/>
           </a:p>
@@ -461,7 +461,7 @@
           <a:p>
             <a:fld id="{CB472A81-3490-7E45-BCFD-E5C4421ADE95}" type="datetimeFigureOut">
               <a:rPr lang="en-US" smtClean="0"/>
-              <a:t>9/8/22</a:t>
+              <a:t>9/15/22</a:t>
             </a:fld>
             <a:endParaRPr lang="en-US"/>
           </a:p>
@@ -669,7 +669,7 @@
           <a:p>
             <a:fld id="{CB472A81-3490-7E45-BCFD-E5C4421ADE95}" type="datetimeFigureOut">
               <a:rPr lang="en-US" smtClean="0"/>
-              <a:t>9/8/22</a:t>
+              <a:t>9/15/22</a:t>
             </a:fld>
             <a:endParaRPr lang="en-US"/>
           </a:p>
@@ -867,7 +867,7 @@
           <a:p>
             <a:fld id="{CB472A81-3490-7E45-BCFD-E5C4421ADE95}" type="datetimeFigureOut">
               <a:rPr lang="en-US" smtClean="0"/>
-              <a:t>9/8/22</a:t>
+              <a:t>9/15/22</a:t>
             </a:fld>
             <a:endParaRPr lang="en-US"/>
           </a:p>
@@ -1142,7 +1142,7 @@
           <a:p>
             <a:fld id="{CB472A81-3490-7E45-BCFD-E5C4421ADE95}" type="datetimeFigureOut">
               <a:rPr lang="en-US" smtClean="0"/>
-              <a:t>9/8/22</a:t>
+              <a:t>9/15/22</a:t>
             </a:fld>
             <a:endParaRPr lang="en-US"/>
           </a:p>
@@ -1407,7 +1407,7 @@
           <a:p>
             <a:fld id="{CB472A81-3490-7E45-BCFD-E5C4421ADE95}" type="datetimeFigureOut">
               <a:rPr lang="en-US" smtClean="0"/>
-              <a:t>9/8/22</a:t>
+              <a:t>9/15/22</a:t>
             </a:fld>
             <a:endParaRPr lang="en-US"/>
           </a:p>
@@ -1819,7 +1819,7 @@
           <a:p>
             <a:fld id="{CB472A81-3490-7E45-BCFD-E5C4421ADE95}" type="datetimeFigureOut">
               <a:rPr lang="en-US" smtClean="0"/>
-              <a:t>9/8/22</a:t>
+              <a:t>9/15/22</a:t>
             </a:fld>
             <a:endParaRPr lang="en-US"/>
           </a:p>
@@ -1960,7 +1960,7 @@
           <a:p>
             <a:fld id="{CB472A81-3490-7E45-BCFD-E5C4421ADE95}" type="datetimeFigureOut">
               <a:rPr lang="en-US" smtClean="0"/>
-              <a:t>9/8/22</a:t>
+              <a:t>9/15/22</a:t>
             </a:fld>
             <a:endParaRPr lang="en-US"/>
           </a:p>
@@ -2073,7 +2073,7 @@
           <a:p>
             <a:fld id="{CB472A81-3490-7E45-BCFD-E5C4421ADE95}" type="datetimeFigureOut">
               <a:rPr lang="en-US" smtClean="0"/>
-              <a:t>9/8/22</a:t>
+              <a:t>9/15/22</a:t>
             </a:fld>
             <a:endParaRPr lang="en-US"/>
           </a:p>
@@ -2384,7 +2384,7 @@
           <a:p>
             <a:fld id="{CB472A81-3490-7E45-BCFD-E5C4421ADE95}" type="datetimeFigureOut">
               <a:rPr lang="en-US" smtClean="0"/>
-              <a:t>9/8/22</a:t>
+              <a:t>9/15/22</a:t>
             </a:fld>
             <a:endParaRPr lang="en-US"/>
           </a:p>
@@ -2672,7 +2672,7 @@
           <a:p>
             <a:fld id="{CB472A81-3490-7E45-BCFD-E5C4421ADE95}" type="datetimeFigureOut">
               <a:rPr lang="en-US" smtClean="0"/>
-              <a:t>9/8/22</a:t>
+              <a:t>9/15/22</a:t>
             </a:fld>
             <a:endParaRPr lang="en-US"/>
           </a:p>
@@ -2913,7 +2913,7 @@
           <a:p>
             <a:fld id="{CB472A81-3490-7E45-BCFD-E5C4421ADE95}" type="datetimeFigureOut">
               <a:rPr lang="en-US" smtClean="0"/>
-              <a:t>9/8/22</a:t>
+              <a:t>9/15/22</a:t>
             </a:fld>
             <a:endParaRPr lang="en-US"/>
           </a:p>
@@ -14912,1983 +14912,2004 @@
           </a:p>
         </p:txBody>
       </p:sp>
-      <p:sp>
-        <p:nvSpPr>
-          <p:cNvPr id="4" name="Rectangle 3">
+      <p:grpSp>
+        <p:nvGrpSpPr>
+          <p:cNvPr id="3" name="Group 2">
             <a:extLst>
               <a:ext uri="{FF2B5EF4-FFF2-40B4-BE49-F238E27FC236}">
-                <a16:creationId xmlns:a16="http://schemas.microsoft.com/office/drawing/2014/main" id="{E58A393A-4F54-E918-3266-79BF3EF312E7}"/>
+                <a16:creationId xmlns:a16="http://schemas.microsoft.com/office/drawing/2014/main" id="{089B13F2-968C-C978-ED70-A356A0DDC93A}"/>
               </a:ext>
             </a:extLst>
           </p:cNvPr>
-          <p:cNvSpPr/>
+          <p:cNvGrpSpPr/>
           <p:nvPr/>
-        </p:nvSpPr>
-        <p:spPr>
+        </p:nvGrpSpPr>
+        <p:grpSpPr>
           <a:xfrm>
-            <a:off x="10298302" y="2078707"/>
-            <a:ext cx="1608774" cy="536713"/>
+            <a:off x="209832" y="1346963"/>
+            <a:ext cx="11697245" cy="4795420"/>
+            <a:chOff x="209832" y="1346963"/>
+            <a:chExt cx="11697245" cy="4795420"/>
           </a:xfrm>
-          <a:prstGeom prst="rect">
-            <a:avLst/>
-          </a:prstGeom>
-        </p:spPr>
-        <p:style>
-          <a:lnRef idx="2">
-            <a:schemeClr val="accent6"/>
-          </a:lnRef>
-          <a:fillRef idx="1">
-            <a:schemeClr val="lt1"/>
-          </a:fillRef>
-          <a:effectRef idx="0">
-            <a:schemeClr val="accent6"/>
-          </a:effectRef>
-          <a:fontRef idx="minor">
-            <a:schemeClr val="dk1"/>
-          </a:fontRef>
-        </p:style>
-        <p:txBody>
-          <a:bodyPr rtlCol="0" anchor="ctr"/>
-          <a:lstStyle/>
-          <a:p>
-            <a:pPr algn="ctr"/>
-            <a:r>
-              <a:rPr lang="en-US" dirty="0" err="1"/>
-              <a:t>uapi</a:t>
-            </a:r>
-            <a:r>
-              <a:rPr lang="en-US" dirty="0"/>
-              <a:t> headers</a:t>
-            </a:r>
-          </a:p>
-        </p:txBody>
-      </p:sp>
-      <p:sp>
-        <p:nvSpPr>
-          <p:cNvPr id="5" name="Rectangle 4">
-            <a:extLst>
-              <a:ext uri="{FF2B5EF4-FFF2-40B4-BE49-F238E27FC236}">
-                <a16:creationId xmlns:a16="http://schemas.microsoft.com/office/drawing/2014/main" id="{9BE5D684-6CA2-4458-1C3B-895566AB411E}"/>
-              </a:ext>
-            </a:extLst>
-          </p:cNvPr>
-          <p:cNvSpPr/>
-          <p:nvPr/>
-        </p:nvSpPr>
-        <p:spPr>
-          <a:xfrm>
-            <a:off x="10298302" y="3154795"/>
-            <a:ext cx="1608775" cy="536713"/>
-          </a:xfrm>
-          <a:prstGeom prst="rect">
-            <a:avLst/>
-          </a:prstGeom>
-        </p:spPr>
-        <p:style>
-          <a:lnRef idx="2">
-            <a:schemeClr val="accent6"/>
-          </a:lnRef>
-          <a:fillRef idx="1">
-            <a:schemeClr val="lt1"/>
-          </a:fillRef>
-          <a:effectRef idx="0">
-            <a:schemeClr val="accent6"/>
-          </a:effectRef>
-          <a:fontRef idx="minor">
-            <a:schemeClr val="dk1"/>
-          </a:fontRef>
-        </p:style>
-        <p:txBody>
-          <a:bodyPr rtlCol="0" anchor="ctr"/>
-          <a:lstStyle/>
-          <a:p>
-            <a:pPr algn="ctr"/>
-            <a:r>
-              <a:rPr lang="en-US" dirty="0"/>
-              <a:t>kernel headers</a:t>
-            </a:r>
-          </a:p>
-        </p:txBody>
-      </p:sp>
-      <p:sp>
-        <p:nvSpPr>
-          <p:cNvPr id="7" name="Snip Diagonal Corner Rectangle 6">
-            <a:extLst>
-              <a:ext uri="{FF2B5EF4-FFF2-40B4-BE49-F238E27FC236}">
-                <a16:creationId xmlns:a16="http://schemas.microsoft.com/office/drawing/2014/main" id="{9312529A-E67F-4A93-340C-F99ACCEB0C22}"/>
-              </a:ext>
-            </a:extLst>
-          </p:cNvPr>
-          <p:cNvSpPr/>
-          <p:nvPr/>
-        </p:nvSpPr>
-        <p:spPr>
-          <a:xfrm>
-            <a:off x="8140586" y="2078706"/>
-            <a:ext cx="1553379" cy="536713"/>
-          </a:xfrm>
-          <a:prstGeom prst="snip2DiagRect">
-            <a:avLst/>
-          </a:prstGeom>
-          <a:solidFill>
-            <a:schemeClr val="accent4">
-              <a:lumMod val="20000"/>
-              <a:lumOff val="80000"/>
-            </a:schemeClr>
-          </a:solidFill>
-        </p:spPr>
-        <p:style>
-          <a:lnRef idx="2">
-            <a:schemeClr val="accent6"/>
-          </a:lnRef>
-          <a:fillRef idx="1">
-            <a:schemeClr val="lt1"/>
-          </a:fillRef>
-          <a:effectRef idx="0">
-            <a:schemeClr val="accent6"/>
-          </a:effectRef>
-          <a:fontRef idx="minor">
-            <a:schemeClr val="dk1"/>
-          </a:fontRef>
-        </p:style>
-        <p:txBody>
-          <a:bodyPr rtlCol="0" anchor="ctr"/>
-          <a:lstStyle/>
-          <a:p>
-            <a:pPr algn="ctr"/>
-            <a:r>
-              <a:rPr lang="en-US" dirty="0" err="1">
+        </p:grpSpPr>
+        <p:sp>
+          <p:nvSpPr>
+            <p:cNvPr id="4" name="Rectangle 3">
+              <a:extLst>
+                <a:ext uri="{FF2B5EF4-FFF2-40B4-BE49-F238E27FC236}">
+                  <a16:creationId xmlns:a16="http://schemas.microsoft.com/office/drawing/2014/main" id="{E58A393A-4F54-E918-3266-79BF3EF312E7}"/>
+                </a:ext>
+              </a:extLst>
+            </p:cNvPr>
+            <p:cNvSpPr/>
+            <p:nvPr/>
+          </p:nvSpPr>
+          <p:spPr>
+            <a:xfrm>
+              <a:off x="10298302" y="2078707"/>
+              <a:ext cx="1608774" cy="536713"/>
+            </a:xfrm>
+            <a:prstGeom prst="rect">
+              <a:avLst/>
+            </a:prstGeom>
+          </p:spPr>
+          <p:style>
+            <a:lnRef idx="2">
+              <a:schemeClr val="accent6"/>
+            </a:lnRef>
+            <a:fillRef idx="1">
+              <a:schemeClr val="lt1"/>
+            </a:fillRef>
+            <a:effectRef idx="0">
+              <a:schemeClr val="accent6"/>
+            </a:effectRef>
+            <a:fontRef idx="minor">
+              <a:schemeClr val="dk1"/>
+            </a:fontRef>
+          </p:style>
+          <p:txBody>
+            <a:bodyPr rtlCol="0" anchor="ctr"/>
+            <a:lstStyle/>
+            <a:p>
+              <a:pPr algn="ctr"/>
+              <a:r>
+                <a:rPr lang="en-US" dirty="0" err="1"/>
+                <a:t>uapi</a:t>
+              </a:r>
+              <a:r>
+                <a:rPr lang="en-US" dirty="0"/>
+                <a:t> headers</a:t>
+              </a:r>
+            </a:p>
+          </p:txBody>
+        </p:sp>
+        <p:sp>
+          <p:nvSpPr>
+            <p:cNvPr id="5" name="Rectangle 4">
+              <a:extLst>
+                <a:ext uri="{FF2B5EF4-FFF2-40B4-BE49-F238E27FC236}">
+                  <a16:creationId xmlns:a16="http://schemas.microsoft.com/office/drawing/2014/main" id="{9BE5D684-6CA2-4458-1C3B-895566AB411E}"/>
+                </a:ext>
+              </a:extLst>
+            </p:cNvPr>
+            <p:cNvSpPr/>
+            <p:nvPr/>
+          </p:nvSpPr>
+          <p:spPr>
+            <a:xfrm>
+              <a:off x="10298302" y="3154795"/>
+              <a:ext cx="1608775" cy="536713"/>
+            </a:xfrm>
+            <a:prstGeom prst="rect">
+              <a:avLst/>
+            </a:prstGeom>
+          </p:spPr>
+          <p:style>
+            <a:lnRef idx="2">
+              <a:schemeClr val="accent6"/>
+            </a:lnRef>
+            <a:fillRef idx="1">
+              <a:schemeClr val="lt1"/>
+            </a:fillRef>
+            <a:effectRef idx="0">
+              <a:schemeClr val="accent6"/>
+            </a:effectRef>
+            <a:fontRef idx="minor">
+              <a:schemeClr val="dk1"/>
+            </a:fontRef>
+          </p:style>
+          <p:txBody>
+            <a:bodyPr rtlCol="0" anchor="ctr"/>
+            <a:lstStyle/>
+            <a:p>
+              <a:pPr algn="ctr"/>
+              <a:r>
+                <a:rPr lang="en-US" dirty="0"/>
+                <a:t>kernel headers</a:t>
+              </a:r>
+            </a:p>
+          </p:txBody>
+        </p:sp>
+        <p:sp>
+          <p:nvSpPr>
+            <p:cNvPr id="7" name="Snip Diagonal Corner Rectangle 6">
+              <a:extLst>
+                <a:ext uri="{FF2B5EF4-FFF2-40B4-BE49-F238E27FC236}">
+                  <a16:creationId xmlns:a16="http://schemas.microsoft.com/office/drawing/2014/main" id="{9312529A-E67F-4A93-340C-F99ACCEB0C22}"/>
+                </a:ext>
+              </a:extLst>
+            </p:cNvPr>
+            <p:cNvSpPr/>
+            <p:nvPr/>
+          </p:nvSpPr>
+          <p:spPr>
+            <a:xfrm>
+              <a:off x="8140586" y="2078706"/>
+              <a:ext cx="1553379" cy="536713"/>
+            </a:xfrm>
+            <a:prstGeom prst="snip2DiagRect">
+              <a:avLst/>
+            </a:prstGeom>
+            <a:solidFill>
+              <a:schemeClr val="accent4">
+                <a:lumMod val="20000"/>
+                <a:lumOff val="80000"/>
+              </a:schemeClr>
+            </a:solidFill>
+          </p:spPr>
+          <p:style>
+            <a:lnRef idx="2">
+              <a:schemeClr val="accent6"/>
+            </a:lnRef>
+            <a:fillRef idx="1">
+              <a:schemeClr val="lt1"/>
+            </a:fillRef>
+            <a:effectRef idx="0">
+              <a:schemeClr val="accent6"/>
+            </a:effectRef>
+            <a:fontRef idx="minor">
+              <a:schemeClr val="dk1"/>
+            </a:fontRef>
+          </p:style>
+          <p:txBody>
+            <a:bodyPr rtlCol="0" anchor="ctr"/>
+            <a:lstStyle/>
+            <a:p>
+              <a:pPr algn="ctr"/>
+              <a:r>
+                <a:rPr lang="en-US" dirty="0" err="1">
+                  <a:latin typeface="Consolas" panose="020B0609020204030204" pitchFamily="49" charset="0"/>
+                  <a:cs typeface="Consolas" panose="020B0609020204030204" pitchFamily="49" charset="0"/>
+                </a:rPr>
+                <a:t>bindgen</a:t>
+              </a:r>
+              <a:endParaRPr lang="en-US" dirty="0">
                 <a:latin typeface="Consolas" panose="020B0609020204030204" pitchFamily="49" charset="0"/>
                 <a:cs typeface="Consolas" panose="020B0609020204030204" pitchFamily="49" charset="0"/>
-              </a:rPr>
-              <a:t>bindgen</a:t>
-            </a:r>
-            <a:endParaRPr lang="en-US" dirty="0">
-              <a:latin typeface="Consolas" panose="020B0609020204030204" pitchFamily="49" charset="0"/>
-              <a:cs typeface="Consolas" panose="020B0609020204030204" pitchFamily="49" charset="0"/>
-            </a:endParaRPr>
-          </a:p>
-        </p:txBody>
-      </p:sp>
-      <p:sp>
-        <p:nvSpPr>
-          <p:cNvPr id="8" name="Snip Diagonal Corner Rectangle 7">
-            <a:extLst>
-              <a:ext uri="{FF2B5EF4-FFF2-40B4-BE49-F238E27FC236}">
-                <a16:creationId xmlns:a16="http://schemas.microsoft.com/office/drawing/2014/main" id="{16747F22-4590-1D90-580E-594D45A78DD8}"/>
-              </a:ext>
-            </a:extLst>
-          </p:cNvPr>
-          <p:cNvSpPr/>
-          <p:nvPr/>
-        </p:nvSpPr>
-        <p:spPr>
-          <a:xfrm>
-            <a:off x="8140587" y="3154796"/>
-            <a:ext cx="1553378" cy="536713"/>
-          </a:xfrm>
-          <a:prstGeom prst="snip2DiagRect">
-            <a:avLst/>
-          </a:prstGeom>
-          <a:solidFill>
-            <a:schemeClr val="accent4">
-              <a:lumMod val="20000"/>
-              <a:lumOff val="80000"/>
-            </a:schemeClr>
-          </a:solidFill>
-        </p:spPr>
-        <p:style>
-          <a:lnRef idx="2">
-            <a:schemeClr val="accent6"/>
-          </a:lnRef>
-          <a:fillRef idx="1">
-            <a:schemeClr val="lt1"/>
-          </a:fillRef>
-          <a:effectRef idx="0">
-            <a:schemeClr val="accent6"/>
-          </a:effectRef>
-          <a:fontRef idx="minor">
-            <a:schemeClr val="dk1"/>
-          </a:fontRef>
-        </p:style>
-        <p:txBody>
-          <a:bodyPr rtlCol="0" anchor="ctr"/>
-          <a:lstStyle/>
-          <a:p>
-            <a:pPr algn="ctr"/>
-            <a:r>
-              <a:rPr lang="en-US" dirty="0" err="1">
+              </a:endParaRPr>
+            </a:p>
+          </p:txBody>
+        </p:sp>
+        <p:sp>
+          <p:nvSpPr>
+            <p:cNvPr id="8" name="Snip Diagonal Corner Rectangle 7">
+              <a:extLst>
+                <a:ext uri="{FF2B5EF4-FFF2-40B4-BE49-F238E27FC236}">
+                  <a16:creationId xmlns:a16="http://schemas.microsoft.com/office/drawing/2014/main" id="{16747F22-4590-1D90-580E-594D45A78DD8}"/>
+                </a:ext>
+              </a:extLst>
+            </p:cNvPr>
+            <p:cNvSpPr/>
+            <p:nvPr/>
+          </p:nvSpPr>
+          <p:spPr>
+            <a:xfrm>
+              <a:off x="8140587" y="3154796"/>
+              <a:ext cx="1553378" cy="536713"/>
+            </a:xfrm>
+            <a:prstGeom prst="snip2DiagRect">
+              <a:avLst/>
+            </a:prstGeom>
+            <a:solidFill>
+              <a:schemeClr val="accent4">
+                <a:lumMod val="20000"/>
+                <a:lumOff val="80000"/>
+              </a:schemeClr>
+            </a:solidFill>
+          </p:spPr>
+          <p:style>
+            <a:lnRef idx="2">
+              <a:schemeClr val="accent6"/>
+            </a:lnRef>
+            <a:fillRef idx="1">
+              <a:schemeClr val="lt1"/>
+            </a:fillRef>
+            <a:effectRef idx="0">
+              <a:schemeClr val="accent6"/>
+            </a:effectRef>
+            <a:fontRef idx="minor">
+              <a:schemeClr val="dk1"/>
+            </a:fontRef>
+          </p:style>
+          <p:txBody>
+            <a:bodyPr rtlCol="0" anchor="ctr"/>
+            <a:lstStyle/>
+            <a:p>
+              <a:pPr algn="ctr"/>
+              <a:r>
+                <a:rPr lang="en-US" dirty="0" err="1">
+                  <a:latin typeface="Consolas" panose="020B0609020204030204" pitchFamily="49" charset="0"/>
+                  <a:cs typeface="Consolas" panose="020B0609020204030204" pitchFamily="49" charset="0"/>
+                </a:rPr>
+                <a:t>bindgen</a:t>
+              </a:r>
+              <a:r>
+                <a:rPr lang="en-US" dirty="0"/>
+                <a:t> + </a:t>
+              </a:r>
+            </a:p>
+            <a:p>
+              <a:pPr algn="ctr"/>
+              <a:r>
+                <a:rPr lang="en-US" dirty="0"/>
+                <a:t>manual work</a:t>
+              </a:r>
+            </a:p>
+          </p:txBody>
+        </p:sp>
+        <p:sp>
+          <p:nvSpPr>
+            <p:cNvPr id="9" name="Rounded Rectangle 8">
+              <a:extLst>
+                <a:ext uri="{FF2B5EF4-FFF2-40B4-BE49-F238E27FC236}">
+                  <a16:creationId xmlns:a16="http://schemas.microsoft.com/office/drawing/2014/main" id="{5411AE1D-D02A-4946-D45D-D9C8BF675A33}"/>
+                </a:ext>
+              </a:extLst>
+            </p:cNvPr>
+            <p:cNvSpPr/>
+            <p:nvPr/>
+          </p:nvSpPr>
+          <p:spPr>
+            <a:xfrm>
+              <a:off x="3051313" y="1789043"/>
+              <a:ext cx="4915729" cy="3279914"/>
+            </a:xfrm>
+            <a:prstGeom prst="roundRect">
+              <a:avLst/>
+            </a:prstGeom>
+            <a:solidFill>
+              <a:srgbClr val="92D050"/>
+            </a:solidFill>
+          </p:spPr>
+          <p:style>
+            <a:lnRef idx="2">
+              <a:schemeClr val="accent1">
+                <a:shade val="50000"/>
+              </a:schemeClr>
+            </a:lnRef>
+            <a:fillRef idx="1">
+              <a:schemeClr val="accent1"/>
+            </a:fillRef>
+            <a:effectRef idx="0">
+              <a:schemeClr val="accent1"/>
+            </a:effectRef>
+            <a:fontRef idx="minor">
+              <a:schemeClr val="lt1"/>
+            </a:fontRef>
+          </p:style>
+          <p:txBody>
+            <a:bodyPr rtlCol="0" anchor="ctr"/>
+            <a:lstStyle/>
+            <a:p>
+              <a:pPr algn="ctr"/>
+              <a:endParaRPr lang="en-US" dirty="0"/>
+            </a:p>
+          </p:txBody>
+        </p:sp>
+        <p:sp>
+          <p:nvSpPr>
+            <p:cNvPr id="10" name="Rectangle 9">
+              <a:extLst>
+                <a:ext uri="{FF2B5EF4-FFF2-40B4-BE49-F238E27FC236}">
+                  <a16:creationId xmlns:a16="http://schemas.microsoft.com/office/drawing/2014/main" id="{4E8E80DF-5409-9F82-C2CB-5249B9F6E4E6}"/>
+                </a:ext>
+              </a:extLst>
+            </p:cNvPr>
+            <p:cNvSpPr/>
+            <p:nvPr/>
+          </p:nvSpPr>
+          <p:spPr>
+            <a:xfrm>
+              <a:off x="10298302" y="4094051"/>
+              <a:ext cx="1608774" cy="536713"/>
+            </a:xfrm>
+            <a:prstGeom prst="rect">
+              <a:avLst/>
+            </a:prstGeom>
+          </p:spPr>
+          <p:style>
+            <a:lnRef idx="2">
+              <a:schemeClr val="accent6"/>
+            </a:lnRef>
+            <a:fillRef idx="1">
+              <a:schemeClr val="lt1"/>
+            </a:fillRef>
+            <a:effectRef idx="0">
+              <a:schemeClr val="accent6"/>
+            </a:effectRef>
+            <a:fontRef idx="minor">
+              <a:schemeClr val="dk1"/>
+            </a:fontRef>
+          </p:style>
+          <p:txBody>
+            <a:bodyPr rtlCol="0" anchor="ctr"/>
+            <a:lstStyle/>
+            <a:p>
+              <a:pPr algn="ctr"/>
+              <a:r>
+                <a:rPr lang="en-US" dirty="0"/>
+                <a:t>helper functions</a:t>
+              </a:r>
+            </a:p>
+          </p:txBody>
+        </p:sp>
+        <p:sp>
+          <p:nvSpPr>
+            <p:cNvPr id="11" name="Snip Diagonal Corner Rectangle 10">
+              <a:extLst>
+                <a:ext uri="{FF2B5EF4-FFF2-40B4-BE49-F238E27FC236}">
+                  <a16:creationId xmlns:a16="http://schemas.microsoft.com/office/drawing/2014/main" id="{0A219C4B-4821-37F9-94FA-0D4BA73B9564}"/>
+                </a:ext>
+              </a:extLst>
+            </p:cNvPr>
+            <p:cNvSpPr/>
+            <p:nvPr/>
+          </p:nvSpPr>
+          <p:spPr>
+            <a:xfrm>
+              <a:off x="8140588" y="4094050"/>
+              <a:ext cx="1552886" cy="536713"/>
+            </a:xfrm>
+            <a:prstGeom prst="snip2DiagRect">
+              <a:avLst/>
+            </a:prstGeom>
+            <a:solidFill>
+              <a:schemeClr val="accent4">
+                <a:lumMod val="20000"/>
+                <a:lumOff val="80000"/>
+              </a:schemeClr>
+            </a:solidFill>
+          </p:spPr>
+          <p:style>
+            <a:lnRef idx="2">
+              <a:schemeClr val="accent6"/>
+            </a:lnRef>
+            <a:fillRef idx="1">
+              <a:schemeClr val="lt1"/>
+            </a:fillRef>
+            <a:effectRef idx="0">
+              <a:schemeClr val="accent6"/>
+            </a:effectRef>
+            <a:fontRef idx="minor">
+              <a:schemeClr val="dk1"/>
+            </a:fontRef>
+          </p:style>
+          <p:txBody>
+            <a:bodyPr rtlCol="0" anchor="ctr"/>
+            <a:lstStyle/>
+            <a:p>
+              <a:pPr algn="ctr"/>
+              <a:r>
+                <a:rPr lang="en-US" dirty="0">
+                  <a:latin typeface="Consolas" panose="020B0609020204030204" pitchFamily="49" charset="0"/>
+                  <a:cs typeface="Consolas" panose="020B0609020204030204" pitchFamily="49" charset="0"/>
+                </a:rPr>
+                <a:t>nm / </a:t>
+              </a:r>
+              <a:r>
+                <a:rPr lang="en-US" dirty="0" err="1">
+                  <a:latin typeface="Consolas" panose="020B0609020204030204" pitchFamily="49" charset="0"/>
+                  <a:cs typeface="Consolas" panose="020B0609020204030204" pitchFamily="49" charset="0"/>
+                </a:rPr>
+                <a:t>System.map</a:t>
+              </a:r>
+              <a:endParaRPr lang="en-US" dirty="0">
                 <a:latin typeface="Consolas" panose="020B0609020204030204" pitchFamily="49" charset="0"/>
                 <a:cs typeface="Consolas" panose="020B0609020204030204" pitchFamily="49" charset="0"/>
-              </a:rPr>
-              <a:t>bindgen</a:t>
-            </a:r>
-            <a:r>
-              <a:rPr lang="en-US" dirty="0"/>
-              <a:t> + </a:t>
-            </a:r>
-          </a:p>
-          <a:p>
-            <a:pPr algn="ctr"/>
-            <a:r>
-              <a:rPr lang="en-US" dirty="0"/>
-              <a:t>manual work</a:t>
-            </a:r>
-          </a:p>
-        </p:txBody>
-      </p:sp>
-      <p:sp>
-        <p:nvSpPr>
-          <p:cNvPr id="9" name="Rounded Rectangle 8">
-            <a:extLst>
-              <a:ext uri="{FF2B5EF4-FFF2-40B4-BE49-F238E27FC236}">
-                <a16:creationId xmlns:a16="http://schemas.microsoft.com/office/drawing/2014/main" id="{5411AE1D-D02A-4946-D45D-D9C8BF675A33}"/>
-              </a:ext>
-            </a:extLst>
-          </p:cNvPr>
-          <p:cNvSpPr/>
-          <p:nvPr/>
-        </p:nvSpPr>
-        <p:spPr>
-          <a:xfrm>
-            <a:off x="3051313" y="1789043"/>
-            <a:ext cx="4915729" cy="3279914"/>
-          </a:xfrm>
-          <a:prstGeom prst="roundRect">
-            <a:avLst/>
-          </a:prstGeom>
-          <a:solidFill>
-            <a:srgbClr val="92D050"/>
-          </a:solidFill>
-        </p:spPr>
-        <p:style>
-          <a:lnRef idx="2">
-            <a:schemeClr val="accent1">
-              <a:shade val="50000"/>
-            </a:schemeClr>
-          </a:lnRef>
-          <a:fillRef idx="1">
-            <a:schemeClr val="accent1"/>
-          </a:fillRef>
-          <a:effectRef idx="0">
-            <a:schemeClr val="accent1"/>
-          </a:effectRef>
-          <a:fontRef idx="minor">
-            <a:schemeClr val="lt1"/>
-          </a:fontRef>
-        </p:style>
-        <p:txBody>
-          <a:bodyPr rtlCol="0" anchor="ctr"/>
-          <a:lstStyle/>
-          <a:p>
-            <a:pPr algn="ctr"/>
-            <a:endParaRPr lang="en-US" dirty="0"/>
-          </a:p>
-        </p:txBody>
-      </p:sp>
-      <p:sp>
-        <p:nvSpPr>
-          <p:cNvPr id="10" name="Rectangle 9">
-            <a:extLst>
-              <a:ext uri="{FF2B5EF4-FFF2-40B4-BE49-F238E27FC236}">
-                <a16:creationId xmlns:a16="http://schemas.microsoft.com/office/drawing/2014/main" id="{4E8E80DF-5409-9F82-C2CB-5249B9F6E4E6}"/>
-              </a:ext>
-            </a:extLst>
-          </p:cNvPr>
-          <p:cNvSpPr/>
-          <p:nvPr/>
-        </p:nvSpPr>
-        <p:spPr>
-          <a:xfrm>
-            <a:off x="10298302" y="4094051"/>
-            <a:ext cx="1608774" cy="536713"/>
-          </a:xfrm>
-          <a:prstGeom prst="rect">
-            <a:avLst/>
-          </a:prstGeom>
-        </p:spPr>
-        <p:style>
-          <a:lnRef idx="2">
-            <a:schemeClr val="accent6"/>
-          </a:lnRef>
-          <a:fillRef idx="1">
-            <a:schemeClr val="lt1"/>
-          </a:fillRef>
-          <a:effectRef idx="0">
-            <a:schemeClr val="accent6"/>
-          </a:effectRef>
-          <a:fontRef idx="minor">
-            <a:schemeClr val="dk1"/>
-          </a:fontRef>
-        </p:style>
-        <p:txBody>
-          <a:bodyPr rtlCol="0" anchor="ctr"/>
-          <a:lstStyle/>
-          <a:p>
-            <a:pPr algn="ctr"/>
-            <a:r>
-              <a:rPr lang="en-US" dirty="0"/>
-              <a:t>helper functions</a:t>
-            </a:r>
-          </a:p>
-        </p:txBody>
-      </p:sp>
-      <p:sp>
-        <p:nvSpPr>
-          <p:cNvPr id="11" name="Snip Diagonal Corner Rectangle 10">
-            <a:extLst>
-              <a:ext uri="{FF2B5EF4-FFF2-40B4-BE49-F238E27FC236}">
-                <a16:creationId xmlns:a16="http://schemas.microsoft.com/office/drawing/2014/main" id="{0A219C4B-4821-37F9-94FA-0D4BA73B9564}"/>
-              </a:ext>
-            </a:extLst>
-          </p:cNvPr>
-          <p:cNvSpPr/>
-          <p:nvPr/>
-        </p:nvSpPr>
-        <p:spPr>
-          <a:xfrm>
-            <a:off x="8140588" y="4094050"/>
-            <a:ext cx="1552886" cy="536713"/>
-          </a:xfrm>
-          <a:prstGeom prst="snip2DiagRect">
-            <a:avLst/>
-          </a:prstGeom>
-          <a:solidFill>
-            <a:schemeClr val="accent4">
-              <a:lumMod val="20000"/>
-              <a:lumOff val="80000"/>
-            </a:schemeClr>
-          </a:solidFill>
-        </p:spPr>
-        <p:style>
-          <a:lnRef idx="2">
-            <a:schemeClr val="accent6"/>
-          </a:lnRef>
-          <a:fillRef idx="1">
-            <a:schemeClr val="lt1"/>
-          </a:fillRef>
-          <a:effectRef idx="0">
-            <a:schemeClr val="accent6"/>
-          </a:effectRef>
-          <a:fontRef idx="minor">
-            <a:schemeClr val="dk1"/>
-          </a:fontRef>
-        </p:style>
-        <p:txBody>
-          <a:bodyPr rtlCol="0" anchor="ctr"/>
-          <a:lstStyle/>
-          <a:p>
-            <a:pPr algn="ctr"/>
-            <a:r>
-              <a:rPr lang="en-US" dirty="0">
-                <a:latin typeface="Consolas" panose="020B0609020204030204" pitchFamily="49" charset="0"/>
-                <a:cs typeface="Consolas" panose="020B0609020204030204" pitchFamily="49" charset="0"/>
-              </a:rPr>
-              <a:t>nm / </a:t>
-            </a:r>
-            <a:r>
-              <a:rPr lang="en-US" dirty="0" err="1">
-                <a:latin typeface="Consolas" panose="020B0609020204030204" pitchFamily="49" charset="0"/>
-                <a:cs typeface="Consolas" panose="020B0609020204030204" pitchFamily="49" charset="0"/>
-              </a:rPr>
-              <a:t>System.map</a:t>
-            </a:r>
-            <a:endParaRPr lang="en-US" dirty="0">
-              <a:latin typeface="Consolas" panose="020B0609020204030204" pitchFamily="49" charset="0"/>
-              <a:cs typeface="Consolas" panose="020B0609020204030204" pitchFamily="49" charset="0"/>
-            </a:endParaRPr>
-          </a:p>
-        </p:txBody>
-      </p:sp>
-      <p:cxnSp>
-        <p:nvCxnSpPr>
-          <p:cNvPr id="13" name="Straight Arrow Connector 12">
-            <a:extLst>
-              <a:ext uri="{FF2B5EF4-FFF2-40B4-BE49-F238E27FC236}">
-                <a16:creationId xmlns:a16="http://schemas.microsoft.com/office/drawing/2014/main" id="{93D569C6-90F2-FF4A-F019-61C3DEDD256C}"/>
-              </a:ext>
-            </a:extLst>
-          </p:cNvPr>
-          <p:cNvCxnSpPr>
-            <a:cxnSpLocks/>
-            <a:stCxn id="4" idx="1"/>
-            <a:endCxn id="7" idx="0"/>
-          </p:cNvCxnSpPr>
-          <p:nvPr/>
-        </p:nvCxnSpPr>
-        <p:spPr>
-          <a:xfrm flipH="1" flipV="1">
-            <a:off x="9693965" y="2347063"/>
-            <a:ext cx="604337" cy="1"/>
-          </a:xfrm>
-          <a:prstGeom prst="straightConnector1">
-            <a:avLst/>
-          </a:prstGeom>
-          <a:ln w="15875">
-            <a:tailEnd type="triangle"/>
-          </a:ln>
-        </p:spPr>
-        <p:style>
-          <a:lnRef idx="1">
-            <a:schemeClr val="accent1"/>
-          </a:lnRef>
-          <a:fillRef idx="0">
-            <a:schemeClr val="accent1"/>
-          </a:fillRef>
-          <a:effectRef idx="0">
-            <a:schemeClr val="accent1"/>
-          </a:effectRef>
-          <a:fontRef idx="minor">
-            <a:schemeClr val="tx1"/>
-          </a:fontRef>
-        </p:style>
-      </p:cxnSp>
-      <p:cxnSp>
-        <p:nvCxnSpPr>
-          <p:cNvPr id="14" name="Straight Arrow Connector 13">
-            <a:extLst>
-              <a:ext uri="{FF2B5EF4-FFF2-40B4-BE49-F238E27FC236}">
-                <a16:creationId xmlns:a16="http://schemas.microsoft.com/office/drawing/2014/main" id="{E6CDD6E1-3791-44FF-6C1E-F011A8A18BB8}"/>
-              </a:ext>
-            </a:extLst>
-          </p:cNvPr>
-          <p:cNvCxnSpPr>
-            <a:cxnSpLocks/>
-            <a:stCxn id="5" idx="1"/>
-            <a:endCxn id="8" idx="0"/>
-          </p:cNvCxnSpPr>
-          <p:nvPr/>
-        </p:nvCxnSpPr>
-        <p:spPr>
-          <a:xfrm flipH="1">
-            <a:off x="9693965" y="3423152"/>
-            <a:ext cx="604337" cy="1"/>
-          </a:xfrm>
-          <a:prstGeom prst="straightConnector1">
-            <a:avLst/>
-          </a:prstGeom>
-          <a:ln w="15875">
-            <a:tailEnd type="triangle"/>
-          </a:ln>
-        </p:spPr>
-        <p:style>
-          <a:lnRef idx="1">
-            <a:schemeClr val="accent1"/>
-          </a:lnRef>
-          <a:fillRef idx="0">
-            <a:schemeClr val="accent1"/>
-          </a:fillRef>
-          <a:effectRef idx="0">
-            <a:schemeClr val="accent1"/>
-          </a:effectRef>
-          <a:fontRef idx="minor">
-            <a:schemeClr val="tx1"/>
-          </a:fontRef>
-        </p:style>
-      </p:cxnSp>
-      <p:cxnSp>
-        <p:nvCxnSpPr>
-          <p:cNvPr id="17" name="Straight Arrow Connector 16">
-            <a:extLst>
-              <a:ext uri="{FF2B5EF4-FFF2-40B4-BE49-F238E27FC236}">
-                <a16:creationId xmlns:a16="http://schemas.microsoft.com/office/drawing/2014/main" id="{D8D0D3C8-45E2-18A1-F1FB-AE53F7DF03C8}"/>
-              </a:ext>
-            </a:extLst>
-          </p:cNvPr>
-          <p:cNvCxnSpPr>
-            <a:cxnSpLocks/>
-            <a:stCxn id="10" idx="1"/>
-            <a:endCxn id="11" idx="0"/>
-          </p:cNvCxnSpPr>
-          <p:nvPr/>
-        </p:nvCxnSpPr>
-        <p:spPr>
-          <a:xfrm flipH="1" flipV="1">
-            <a:off x="9693474" y="4362407"/>
-            <a:ext cx="604828" cy="1"/>
-          </a:xfrm>
-          <a:prstGeom prst="straightConnector1">
-            <a:avLst/>
-          </a:prstGeom>
-          <a:ln w="15875">
-            <a:tailEnd type="triangle"/>
-          </a:ln>
-        </p:spPr>
-        <p:style>
-          <a:lnRef idx="1">
-            <a:schemeClr val="accent1"/>
-          </a:lnRef>
-          <a:fillRef idx="0">
-            <a:schemeClr val="accent1"/>
-          </a:fillRef>
-          <a:effectRef idx="0">
-            <a:schemeClr val="accent1"/>
-          </a:effectRef>
-          <a:fontRef idx="minor">
-            <a:schemeClr val="tx1"/>
-          </a:fontRef>
-        </p:style>
-      </p:cxnSp>
-      <p:cxnSp>
-        <p:nvCxnSpPr>
-          <p:cNvPr id="20" name="Straight Arrow Connector 19">
-            <a:extLst>
-              <a:ext uri="{FF2B5EF4-FFF2-40B4-BE49-F238E27FC236}">
-                <a16:creationId xmlns:a16="http://schemas.microsoft.com/office/drawing/2014/main" id="{CE065D86-10F1-8575-B982-E17E0093B2F7}"/>
-              </a:ext>
-            </a:extLst>
-          </p:cNvPr>
-          <p:cNvCxnSpPr>
-            <a:cxnSpLocks/>
-            <a:stCxn id="7" idx="2"/>
-            <a:endCxn id="29" idx="3"/>
-          </p:cNvCxnSpPr>
-          <p:nvPr/>
-        </p:nvCxnSpPr>
-        <p:spPr>
-          <a:xfrm flipH="1">
-            <a:off x="4580941" y="2347063"/>
-            <a:ext cx="3559645" cy="18428"/>
-          </a:xfrm>
-          <a:prstGeom prst="straightConnector1">
-            <a:avLst/>
-          </a:prstGeom>
-          <a:ln w="15875">
-            <a:tailEnd type="triangle"/>
-          </a:ln>
-        </p:spPr>
-        <p:style>
-          <a:lnRef idx="1">
-            <a:schemeClr val="accent1"/>
-          </a:lnRef>
-          <a:fillRef idx="0">
-            <a:schemeClr val="accent1"/>
-          </a:fillRef>
-          <a:effectRef idx="0">
-            <a:schemeClr val="accent1"/>
-          </a:effectRef>
-          <a:fontRef idx="minor">
-            <a:schemeClr val="tx1"/>
-          </a:fontRef>
-        </p:style>
-      </p:cxnSp>
-      <p:cxnSp>
-        <p:nvCxnSpPr>
-          <p:cNvPr id="23" name="Straight Arrow Connector 22">
-            <a:extLst>
-              <a:ext uri="{FF2B5EF4-FFF2-40B4-BE49-F238E27FC236}">
-                <a16:creationId xmlns:a16="http://schemas.microsoft.com/office/drawing/2014/main" id="{A7457F4F-65B1-F0D6-16B5-C732827A4231}"/>
-              </a:ext>
-            </a:extLst>
-          </p:cNvPr>
-          <p:cNvCxnSpPr>
-            <a:cxnSpLocks/>
-            <a:stCxn id="8" idx="2"/>
-            <a:endCxn id="33" idx="3"/>
-          </p:cNvCxnSpPr>
-          <p:nvPr/>
-        </p:nvCxnSpPr>
-        <p:spPr>
-          <a:xfrm flipH="1">
-            <a:off x="7783947" y="3423153"/>
-            <a:ext cx="356640" cy="2924"/>
-          </a:xfrm>
-          <a:prstGeom prst="straightConnector1">
-            <a:avLst/>
-          </a:prstGeom>
-          <a:ln w="15875">
-            <a:tailEnd type="triangle"/>
-          </a:ln>
-        </p:spPr>
-        <p:style>
-          <a:lnRef idx="1">
-            <a:schemeClr val="accent1"/>
-          </a:lnRef>
-          <a:fillRef idx="0">
-            <a:schemeClr val="accent1"/>
-          </a:fillRef>
-          <a:effectRef idx="0">
-            <a:schemeClr val="accent1"/>
-          </a:effectRef>
-          <a:fontRef idx="minor">
-            <a:schemeClr val="tx1"/>
-          </a:fontRef>
-        </p:style>
-      </p:cxnSp>
-      <p:cxnSp>
-        <p:nvCxnSpPr>
-          <p:cNvPr id="26" name="Straight Arrow Connector 25">
-            <a:extLst>
-              <a:ext uri="{FF2B5EF4-FFF2-40B4-BE49-F238E27FC236}">
-                <a16:creationId xmlns:a16="http://schemas.microsoft.com/office/drawing/2014/main" id="{592FD756-7793-AB06-916C-05632099E920}"/>
-              </a:ext>
-            </a:extLst>
-          </p:cNvPr>
-          <p:cNvCxnSpPr>
-            <a:cxnSpLocks/>
-            <a:stCxn id="11" idx="2"/>
-            <a:endCxn id="38" idx="3"/>
-          </p:cNvCxnSpPr>
-          <p:nvPr/>
-        </p:nvCxnSpPr>
-        <p:spPr>
-          <a:xfrm flipH="1" flipV="1">
-            <a:off x="7796419" y="4362406"/>
-            <a:ext cx="344169" cy="1"/>
-          </a:xfrm>
-          <a:prstGeom prst="straightConnector1">
-            <a:avLst/>
-          </a:prstGeom>
-          <a:ln w="15875">
-            <a:tailEnd type="triangle"/>
-          </a:ln>
-        </p:spPr>
-        <p:style>
-          <a:lnRef idx="1">
-            <a:schemeClr val="accent1"/>
-          </a:lnRef>
-          <a:fillRef idx="0">
-            <a:schemeClr val="accent1"/>
-          </a:fillRef>
-          <a:effectRef idx="0">
-            <a:schemeClr val="accent1"/>
-          </a:effectRef>
-          <a:fontRef idx="minor">
-            <a:schemeClr val="tx1"/>
-          </a:fontRef>
-        </p:style>
-      </p:cxnSp>
-      <p:sp>
-        <p:nvSpPr>
-          <p:cNvPr id="29" name="Rounded Rectangle 28">
-            <a:extLst>
-              <a:ext uri="{FF2B5EF4-FFF2-40B4-BE49-F238E27FC236}">
-                <a16:creationId xmlns:a16="http://schemas.microsoft.com/office/drawing/2014/main" id="{F7D88D2F-F18F-7B77-68E1-8B23B698B50B}"/>
-              </a:ext>
-            </a:extLst>
-          </p:cNvPr>
-          <p:cNvSpPr/>
-          <p:nvPr/>
-        </p:nvSpPr>
-        <p:spPr>
-          <a:xfrm>
-            <a:off x="3227366" y="2097134"/>
-            <a:ext cx="1353575" cy="536713"/>
-          </a:xfrm>
-          <a:prstGeom prst="roundRect">
-            <a:avLst/>
-          </a:prstGeom>
-          <a:solidFill>
-            <a:schemeClr val="bg2">
-              <a:lumMod val="50000"/>
-            </a:schemeClr>
-          </a:solidFill>
-          <a:ln>
+              </a:endParaRPr>
+            </a:p>
+          </p:txBody>
+        </p:sp>
+        <p:cxnSp>
+          <p:nvCxnSpPr>
+            <p:cNvPr id="13" name="Straight Arrow Connector 12">
+              <a:extLst>
+                <a:ext uri="{FF2B5EF4-FFF2-40B4-BE49-F238E27FC236}">
+                  <a16:creationId xmlns:a16="http://schemas.microsoft.com/office/drawing/2014/main" id="{93D569C6-90F2-FF4A-F019-61C3DEDD256C}"/>
+                </a:ext>
+              </a:extLst>
+            </p:cNvPr>
+            <p:cNvCxnSpPr>
+              <a:cxnSpLocks/>
+              <a:stCxn id="4" idx="1"/>
+              <a:endCxn id="7" idx="0"/>
+            </p:cNvCxnSpPr>
+            <p:nvPr/>
+          </p:nvCxnSpPr>
+          <p:spPr>
+            <a:xfrm flipH="1" flipV="1">
+              <a:off x="9693965" y="2347063"/>
+              <a:ext cx="604337" cy="1"/>
+            </a:xfrm>
+            <a:prstGeom prst="straightConnector1">
+              <a:avLst/>
+            </a:prstGeom>
+            <a:ln w="15875">
+              <a:tailEnd type="triangle"/>
+            </a:ln>
+          </p:spPr>
+          <p:style>
+            <a:lnRef idx="1">
+              <a:schemeClr val="accent1"/>
+            </a:lnRef>
+            <a:fillRef idx="0">
+              <a:schemeClr val="accent1"/>
+            </a:fillRef>
+            <a:effectRef idx="0">
+              <a:schemeClr val="accent1"/>
+            </a:effectRef>
+            <a:fontRef idx="minor">
+              <a:schemeClr val="tx1"/>
+            </a:fontRef>
+          </p:style>
+        </p:cxnSp>
+        <p:cxnSp>
+          <p:nvCxnSpPr>
+            <p:cNvPr id="14" name="Straight Arrow Connector 13">
+              <a:extLst>
+                <a:ext uri="{FF2B5EF4-FFF2-40B4-BE49-F238E27FC236}">
+                  <a16:creationId xmlns:a16="http://schemas.microsoft.com/office/drawing/2014/main" id="{E6CDD6E1-3791-44FF-6C1E-F011A8A18BB8}"/>
+                </a:ext>
+              </a:extLst>
+            </p:cNvPr>
+            <p:cNvCxnSpPr>
+              <a:cxnSpLocks/>
+              <a:stCxn id="5" idx="1"/>
+              <a:endCxn id="8" idx="0"/>
+            </p:cNvCxnSpPr>
+            <p:nvPr/>
+          </p:nvCxnSpPr>
+          <p:spPr>
+            <a:xfrm flipH="1">
+              <a:off x="9693965" y="3423152"/>
+              <a:ext cx="604337" cy="1"/>
+            </a:xfrm>
+            <a:prstGeom prst="straightConnector1">
+              <a:avLst/>
+            </a:prstGeom>
+            <a:ln w="15875">
+              <a:tailEnd type="triangle"/>
+            </a:ln>
+          </p:spPr>
+          <p:style>
+            <a:lnRef idx="1">
+              <a:schemeClr val="accent1"/>
+            </a:lnRef>
+            <a:fillRef idx="0">
+              <a:schemeClr val="accent1"/>
+            </a:fillRef>
+            <a:effectRef idx="0">
+              <a:schemeClr val="accent1"/>
+            </a:effectRef>
+            <a:fontRef idx="minor">
+              <a:schemeClr val="tx1"/>
+            </a:fontRef>
+          </p:style>
+        </p:cxnSp>
+        <p:cxnSp>
+          <p:nvCxnSpPr>
+            <p:cNvPr id="17" name="Straight Arrow Connector 16">
+              <a:extLst>
+                <a:ext uri="{FF2B5EF4-FFF2-40B4-BE49-F238E27FC236}">
+                  <a16:creationId xmlns:a16="http://schemas.microsoft.com/office/drawing/2014/main" id="{D8D0D3C8-45E2-18A1-F1FB-AE53F7DF03C8}"/>
+                </a:ext>
+              </a:extLst>
+            </p:cNvPr>
+            <p:cNvCxnSpPr>
+              <a:cxnSpLocks/>
+              <a:stCxn id="10" idx="1"/>
+              <a:endCxn id="11" idx="0"/>
+            </p:cNvCxnSpPr>
+            <p:nvPr/>
+          </p:nvCxnSpPr>
+          <p:spPr>
+            <a:xfrm flipH="1" flipV="1">
+              <a:off x="9693474" y="4362407"/>
+              <a:ext cx="604828" cy="1"/>
+            </a:xfrm>
+            <a:prstGeom prst="straightConnector1">
+              <a:avLst/>
+            </a:prstGeom>
+            <a:ln w="15875">
+              <a:tailEnd type="triangle"/>
+            </a:ln>
+          </p:spPr>
+          <p:style>
+            <a:lnRef idx="1">
+              <a:schemeClr val="accent1"/>
+            </a:lnRef>
+            <a:fillRef idx="0">
+              <a:schemeClr val="accent1"/>
+            </a:fillRef>
+            <a:effectRef idx="0">
+              <a:schemeClr val="accent1"/>
+            </a:effectRef>
+            <a:fontRef idx="minor">
+              <a:schemeClr val="tx1"/>
+            </a:fontRef>
+          </p:style>
+        </p:cxnSp>
+        <p:cxnSp>
+          <p:nvCxnSpPr>
+            <p:cNvPr id="20" name="Straight Arrow Connector 19">
+              <a:extLst>
+                <a:ext uri="{FF2B5EF4-FFF2-40B4-BE49-F238E27FC236}">
+                  <a16:creationId xmlns:a16="http://schemas.microsoft.com/office/drawing/2014/main" id="{CE065D86-10F1-8575-B982-E17E0093B2F7}"/>
+                </a:ext>
+              </a:extLst>
+            </p:cNvPr>
+            <p:cNvCxnSpPr>
+              <a:cxnSpLocks/>
+              <a:stCxn id="7" idx="2"/>
+              <a:endCxn id="29" idx="3"/>
+            </p:cNvCxnSpPr>
+            <p:nvPr/>
+          </p:nvCxnSpPr>
+          <p:spPr>
+            <a:xfrm flipH="1">
+              <a:off x="4580941" y="2347063"/>
+              <a:ext cx="3559645" cy="18428"/>
+            </a:xfrm>
+            <a:prstGeom prst="straightConnector1">
+              <a:avLst/>
+            </a:prstGeom>
+            <a:ln w="15875">
+              <a:tailEnd type="triangle"/>
+            </a:ln>
+          </p:spPr>
+          <p:style>
+            <a:lnRef idx="1">
+              <a:schemeClr val="accent1"/>
+            </a:lnRef>
+            <a:fillRef idx="0">
+              <a:schemeClr val="accent1"/>
+            </a:fillRef>
+            <a:effectRef idx="0">
+              <a:schemeClr val="accent1"/>
+            </a:effectRef>
+            <a:fontRef idx="minor">
+              <a:schemeClr val="tx1"/>
+            </a:fontRef>
+          </p:style>
+        </p:cxnSp>
+        <p:cxnSp>
+          <p:nvCxnSpPr>
+            <p:cNvPr id="23" name="Straight Arrow Connector 22">
+              <a:extLst>
+                <a:ext uri="{FF2B5EF4-FFF2-40B4-BE49-F238E27FC236}">
+                  <a16:creationId xmlns:a16="http://schemas.microsoft.com/office/drawing/2014/main" id="{A7457F4F-65B1-F0D6-16B5-C732827A4231}"/>
+                </a:ext>
+              </a:extLst>
+            </p:cNvPr>
+            <p:cNvCxnSpPr>
+              <a:cxnSpLocks/>
+              <a:stCxn id="8" idx="2"/>
+              <a:endCxn id="33" idx="3"/>
+            </p:cNvCxnSpPr>
+            <p:nvPr/>
+          </p:nvCxnSpPr>
+          <p:spPr>
+            <a:xfrm flipH="1">
+              <a:off x="7783947" y="3423153"/>
+              <a:ext cx="356640" cy="2924"/>
+            </a:xfrm>
+            <a:prstGeom prst="straightConnector1">
+              <a:avLst/>
+            </a:prstGeom>
+            <a:ln w="15875">
+              <a:tailEnd type="triangle"/>
+            </a:ln>
+          </p:spPr>
+          <p:style>
+            <a:lnRef idx="1">
+              <a:schemeClr val="accent1"/>
+            </a:lnRef>
+            <a:fillRef idx="0">
+              <a:schemeClr val="accent1"/>
+            </a:fillRef>
+            <a:effectRef idx="0">
+              <a:schemeClr val="accent1"/>
+            </a:effectRef>
+            <a:fontRef idx="minor">
+              <a:schemeClr val="tx1"/>
+            </a:fontRef>
+          </p:style>
+        </p:cxnSp>
+        <p:cxnSp>
+          <p:nvCxnSpPr>
+            <p:cNvPr id="26" name="Straight Arrow Connector 25">
+              <a:extLst>
+                <a:ext uri="{FF2B5EF4-FFF2-40B4-BE49-F238E27FC236}">
+                  <a16:creationId xmlns:a16="http://schemas.microsoft.com/office/drawing/2014/main" id="{592FD756-7793-AB06-916C-05632099E920}"/>
+                </a:ext>
+              </a:extLst>
+            </p:cNvPr>
+            <p:cNvCxnSpPr>
+              <a:cxnSpLocks/>
+              <a:stCxn id="11" idx="2"/>
+              <a:endCxn id="38" idx="3"/>
+            </p:cNvCxnSpPr>
+            <p:nvPr/>
+          </p:nvCxnSpPr>
+          <p:spPr>
+            <a:xfrm flipH="1" flipV="1">
+              <a:off x="7796419" y="4362406"/>
+              <a:ext cx="344169" cy="1"/>
+            </a:xfrm>
+            <a:prstGeom prst="straightConnector1">
+              <a:avLst/>
+            </a:prstGeom>
+            <a:ln w="15875">
+              <a:tailEnd type="triangle"/>
+            </a:ln>
+          </p:spPr>
+          <p:style>
+            <a:lnRef idx="1">
+              <a:schemeClr val="accent1"/>
+            </a:lnRef>
+            <a:fillRef idx="0">
+              <a:schemeClr val="accent1"/>
+            </a:fillRef>
+            <a:effectRef idx="0">
+              <a:schemeClr val="accent1"/>
+            </a:effectRef>
+            <a:fontRef idx="minor">
+              <a:schemeClr val="tx1"/>
+            </a:fontRef>
+          </p:style>
+        </p:cxnSp>
+        <p:sp>
+          <p:nvSpPr>
+            <p:cNvPr id="29" name="Rounded Rectangle 28">
+              <a:extLst>
+                <a:ext uri="{FF2B5EF4-FFF2-40B4-BE49-F238E27FC236}">
+                  <a16:creationId xmlns:a16="http://schemas.microsoft.com/office/drawing/2014/main" id="{F7D88D2F-F18F-7B77-68E1-8B23B698B50B}"/>
+                </a:ext>
+              </a:extLst>
+            </p:cNvPr>
+            <p:cNvSpPr/>
+            <p:nvPr/>
+          </p:nvSpPr>
+          <p:spPr>
+            <a:xfrm>
+              <a:off x="3227366" y="2097134"/>
+              <a:ext cx="1353575" cy="536713"/>
+            </a:xfrm>
+            <a:prstGeom prst="roundRect">
+              <a:avLst/>
+            </a:prstGeom>
             <a:solidFill>
-              <a:srgbClr val="FF9300"/>
-            </a:solidFill>
-          </a:ln>
-        </p:spPr>
-        <p:style>
-          <a:lnRef idx="2">
-            <a:schemeClr val="accent1">
-              <a:shade val="50000"/>
-            </a:schemeClr>
-          </a:lnRef>
-          <a:fillRef idx="1">
-            <a:schemeClr val="accent1"/>
-          </a:fillRef>
-          <a:effectRef idx="0">
-            <a:schemeClr val="accent1"/>
-          </a:effectRef>
-          <a:fontRef idx="minor">
-            <a:schemeClr val="lt1"/>
-          </a:fontRef>
-        </p:style>
-        <p:txBody>
-          <a:bodyPr rtlCol="0" anchor="ctr"/>
-          <a:lstStyle/>
-          <a:p>
-            <a:pPr algn="ctr"/>
-            <a:r>
-              <a:rPr lang="en-US" dirty="0" err="1"/>
-              <a:t>uapi</a:t>
-            </a:r>
-            <a:r>
-              <a:rPr lang="en-US" dirty="0"/>
-              <a:t> binding</a:t>
-            </a:r>
-          </a:p>
-        </p:txBody>
-      </p:sp>
-      <p:sp>
-        <p:nvSpPr>
-          <p:cNvPr id="33" name="Rounded Rectangle 32">
-            <a:extLst>
-              <a:ext uri="{FF2B5EF4-FFF2-40B4-BE49-F238E27FC236}">
-                <a16:creationId xmlns:a16="http://schemas.microsoft.com/office/drawing/2014/main" id="{CF0A77D5-2F7D-2699-FE73-79A9EAA22354}"/>
-              </a:ext>
-            </a:extLst>
-          </p:cNvPr>
-          <p:cNvSpPr/>
-          <p:nvPr/>
-        </p:nvSpPr>
-        <p:spPr>
-          <a:xfrm>
-            <a:off x="6427452" y="3157720"/>
-            <a:ext cx="1356495" cy="536713"/>
-          </a:xfrm>
-          <a:prstGeom prst="roundRect">
-            <a:avLst/>
-          </a:prstGeom>
-          <a:solidFill>
-            <a:schemeClr val="bg2">
-              <a:lumMod val="50000"/>
-            </a:schemeClr>
-          </a:solidFill>
-          <a:ln>
-            <a:solidFill>
-              <a:srgbClr val="FF9300"/>
-            </a:solidFill>
-          </a:ln>
-        </p:spPr>
-        <p:style>
-          <a:lnRef idx="2">
-            <a:schemeClr val="accent1">
-              <a:shade val="50000"/>
-            </a:schemeClr>
-          </a:lnRef>
-          <a:fillRef idx="1">
-            <a:schemeClr val="accent1"/>
-          </a:fillRef>
-          <a:effectRef idx="0">
-            <a:schemeClr val="accent1"/>
-          </a:effectRef>
-          <a:fontRef idx="minor">
-            <a:schemeClr val="lt1"/>
-          </a:fontRef>
-        </p:style>
-        <p:txBody>
-          <a:bodyPr rtlCol="0" anchor="ctr"/>
-          <a:lstStyle/>
-          <a:p>
-            <a:pPr algn="ctr"/>
-            <a:r>
-              <a:rPr lang="en-US" dirty="0"/>
-              <a:t>kernel binding</a:t>
-            </a:r>
-          </a:p>
-        </p:txBody>
-      </p:sp>
-      <p:sp>
-        <p:nvSpPr>
-          <p:cNvPr id="38" name="Rounded Rectangle 37">
-            <a:extLst>
-              <a:ext uri="{FF2B5EF4-FFF2-40B4-BE49-F238E27FC236}">
-                <a16:creationId xmlns:a16="http://schemas.microsoft.com/office/drawing/2014/main" id="{98CC1AE5-D388-90AD-3522-0B133747AA3B}"/>
-              </a:ext>
-            </a:extLst>
-          </p:cNvPr>
-          <p:cNvSpPr/>
-          <p:nvPr/>
-        </p:nvSpPr>
-        <p:spPr>
-          <a:xfrm>
-            <a:off x="6439923" y="4094049"/>
-            <a:ext cx="1356496" cy="536713"/>
-          </a:xfrm>
-          <a:prstGeom prst="roundRect">
-            <a:avLst/>
-          </a:prstGeom>
-          <a:solidFill>
-            <a:schemeClr val="bg2">
-              <a:lumMod val="50000"/>
-            </a:schemeClr>
-          </a:solidFill>
-          <a:ln>
-            <a:solidFill>
-              <a:srgbClr val="FF9300"/>
-            </a:solidFill>
-          </a:ln>
-        </p:spPr>
-        <p:style>
-          <a:lnRef idx="2">
-            <a:schemeClr val="accent1">
-              <a:shade val="50000"/>
-            </a:schemeClr>
-          </a:lnRef>
-          <a:fillRef idx="1">
-            <a:schemeClr val="accent1"/>
-          </a:fillRef>
-          <a:effectRef idx="0">
-            <a:schemeClr val="accent1"/>
-          </a:effectRef>
-          <a:fontRef idx="minor">
-            <a:schemeClr val="lt1"/>
-          </a:fontRef>
-        </p:style>
-        <p:txBody>
-          <a:bodyPr rtlCol="0" anchor="ctr"/>
-          <a:lstStyle/>
-          <a:p>
-            <a:pPr algn="ctr"/>
-            <a:r>
-              <a:rPr lang="en-US" dirty="0"/>
-              <a:t>helper stub</a:t>
-            </a:r>
-          </a:p>
-        </p:txBody>
-      </p:sp>
-      <p:cxnSp>
-        <p:nvCxnSpPr>
-          <p:cNvPr id="46" name="Straight Arrow Connector 45">
-            <a:extLst>
-              <a:ext uri="{FF2B5EF4-FFF2-40B4-BE49-F238E27FC236}">
-                <a16:creationId xmlns:a16="http://schemas.microsoft.com/office/drawing/2014/main" id="{DB4A4956-7201-8944-4BB6-FF5B3F19C4D3}"/>
-              </a:ext>
-            </a:extLst>
-          </p:cNvPr>
-          <p:cNvCxnSpPr>
-            <a:cxnSpLocks/>
-            <a:stCxn id="38" idx="1"/>
-            <a:endCxn id="62" idx="0"/>
-          </p:cNvCxnSpPr>
-          <p:nvPr/>
-        </p:nvCxnSpPr>
-        <p:spPr>
-          <a:xfrm flipH="1" flipV="1">
-            <a:off x="6187645" y="4362398"/>
-            <a:ext cx="252278" cy="8"/>
-          </a:xfrm>
-          <a:prstGeom prst="straightConnector1">
-            <a:avLst/>
-          </a:prstGeom>
-          <a:ln w="15875">
-            <a:tailEnd type="triangle"/>
-          </a:ln>
-        </p:spPr>
-        <p:style>
-          <a:lnRef idx="1">
-            <a:schemeClr val="accent1"/>
-          </a:lnRef>
-          <a:fillRef idx="0">
-            <a:schemeClr val="accent1"/>
-          </a:fillRef>
-          <a:effectRef idx="0">
-            <a:schemeClr val="accent1"/>
-          </a:effectRef>
-          <a:fontRef idx="minor">
-            <a:schemeClr val="tx1"/>
-          </a:fontRef>
-        </p:style>
-      </p:cxnSp>
-      <p:sp>
-        <p:nvSpPr>
-          <p:cNvPr id="61" name="Rounded Rectangle 60">
-            <a:extLst>
-              <a:ext uri="{FF2B5EF4-FFF2-40B4-BE49-F238E27FC236}">
-                <a16:creationId xmlns:a16="http://schemas.microsoft.com/office/drawing/2014/main" id="{0679C773-B4FC-A86C-B9D4-EE2DD328320F}"/>
-              </a:ext>
-            </a:extLst>
-          </p:cNvPr>
-          <p:cNvSpPr/>
-          <p:nvPr/>
-        </p:nvSpPr>
-        <p:spPr>
-          <a:xfrm>
-            <a:off x="3233381" y="4093665"/>
-            <a:ext cx="1353575" cy="536713"/>
-          </a:xfrm>
-          <a:prstGeom prst="roundRect">
-            <a:avLst/>
-          </a:prstGeom>
-          <a:solidFill>
-            <a:schemeClr val="bg2">
-              <a:lumMod val="50000"/>
-            </a:schemeClr>
-          </a:solidFill>
-          <a:ln>
-            <a:solidFill>
-              <a:srgbClr val="FF9300"/>
-            </a:solidFill>
-          </a:ln>
-        </p:spPr>
-        <p:style>
-          <a:lnRef idx="2">
-            <a:schemeClr val="accent1">
-              <a:shade val="50000"/>
-            </a:schemeClr>
-          </a:lnRef>
-          <a:fillRef idx="1">
-            <a:schemeClr val="accent1"/>
-          </a:fillRef>
-          <a:effectRef idx="0">
-            <a:schemeClr val="accent1"/>
-          </a:effectRef>
-          <a:fontRef idx="minor">
-            <a:schemeClr val="lt1"/>
-          </a:fontRef>
-        </p:style>
-        <p:txBody>
-          <a:bodyPr rtlCol="0" anchor="ctr"/>
-          <a:lstStyle/>
-          <a:p>
-            <a:pPr algn="ctr"/>
-            <a:r>
-              <a:rPr lang="en-US" dirty="0"/>
-              <a:t>IU helper interface</a:t>
-            </a:r>
-          </a:p>
-        </p:txBody>
-      </p:sp>
-      <p:sp>
-        <p:nvSpPr>
-          <p:cNvPr id="62" name="Snip Diagonal Corner Rectangle 61">
-            <a:extLst>
-              <a:ext uri="{FF2B5EF4-FFF2-40B4-BE49-F238E27FC236}">
-                <a16:creationId xmlns:a16="http://schemas.microsoft.com/office/drawing/2014/main" id="{AC89A4DA-5D0C-6460-7673-57C026354FC7}"/>
-              </a:ext>
-            </a:extLst>
-          </p:cNvPr>
-          <p:cNvSpPr/>
-          <p:nvPr/>
-        </p:nvSpPr>
-        <p:spPr>
-          <a:xfrm>
-            <a:off x="4834070" y="4094041"/>
-            <a:ext cx="1353575" cy="536713"/>
-          </a:xfrm>
-          <a:prstGeom prst="snip2DiagRect">
-            <a:avLst/>
-          </a:prstGeom>
-          <a:solidFill>
-            <a:schemeClr val="bg2">
-              <a:lumMod val="50000"/>
-            </a:schemeClr>
-          </a:solidFill>
-        </p:spPr>
-        <p:style>
-          <a:lnRef idx="2">
-            <a:schemeClr val="accent1">
-              <a:shade val="50000"/>
-            </a:schemeClr>
-          </a:lnRef>
-          <a:fillRef idx="1">
-            <a:schemeClr val="accent1"/>
-          </a:fillRef>
-          <a:effectRef idx="0">
-            <a:schemeClr val="accent1"/>
-          </a:effectRef>
-          <a:fontRef idx="minor">
-            <a:schemeClr val="lt1"/>
-          </a:fontRef>
-        </p:style>
-        <p:txBody>
-          <a:bodyPr rtlCol="0" anchor="ctr"/>
-          <a:lstStyle/>
-          <a:p>
-            <a:pPr algn="ctr"/>
-            <a:r>
-              <a:rPr lang="en-US" dirty="0"/>
-              <a:t>transmute + wrap </a:t>
-            </a:r>
-          </a:p>
-        </p:txBody>
-      </p:sp>
-      <p:cxnSp>
-        <p:nvCxnSpPr>
-          <p:cNvPr id="68" name="Straight Arrow Connector 67">
-            <a:extLst>
-              <a:ext uri="{FF2B5EF4-FFF2-40B4-BE49-F238E27FC236}">
-                <a16:creationId xmlns:a16="http://schemas.microsoft.com/office/drawing/2014/main" id="{FCF6B027-BA73-EB48-EC86-7AC4A699420E}"/>
-              </a:ext>
-            </a:extLst>
-          </p:cNvPr>
-          <p:cNvCxnSpPr>
-            <a:cxnSpLocks/>
-            <a:endCxn id="61" idx="3"/>
-          </p:cNvCxnSpPr>
-          <p:nvPr/>
-        </p:nvCxnSpPr>
-        <p:spPr>
-          <a:xfrm flipH="1">
-            <a:off x="4586956" y="4362022"/>
-            <a:ext cx="252278" cy="0"/>
-          </a:xfrm>
-          <a:prstGeom prst="straightConnector1">
-            <a:avLst/>
-          </a:prstGeom>
-          <a:ln w="15875">
-            <a:tailEnd type="triangle"/>
-          </a:ln>
-        </p:spPr>
-        <p:style>
-          <a:lnRef idx="1">
-            <a:schemeClr val="accent1"/>
-          </a:lnRef>
-          <a:fillRef idx="0">
-            <a:schemeClr val="accent1"/>
-          </a:fillRef>
-          <a:effectRef idx="0">
-            <a:schemeClr val="accent1"/>
-          </a:effectRef>
-          <a:fontRef idx="minor">
-            <a:schemeClr val="tx1"/>
-          </a:fontRef>
-        </p:style>
-      </p:cxnSp>
-      <p:sp>
-        <p:nvSpPr>
-          <p:cNvPr id="73" name="TextBox 72">
-            <a:extLst>
-              <a:ext uri="{FF2B5EF4-FFF2-40B4-BE49-F238E27FC236}">
-                <a16:creationId xmlns:a16="http://schemas.microsoft.com/office/drawing/2014/main" id="{16DCEDF8-AC51-8752-4F82-745CB537CA33}"/>
-              </a:ext>
-            </a:extLst>
-          </p:cNvPr>
-          <p:cNvSpPr txBox="1"/>
-          <p:nvPr/>
-        </p:nvSpPr>
-        <p:spPr>
-          <a:xfrm>
-            <a:off x="4723972" y="2596230"/>
-            <a:ext cx="1990849" cy="707886"/>
-          </a:xfrm>
-          <a:prstGeom prst="rect">
-            <a:avLst/>
-          </a:prstGeom>
-          <a:noFill/>
-        </p:spPr>
-        <p:txBody>
-          <a:bodyPr wrap="square" rtlCol="0">
-            <a:spAutoFit/>
-          </a:bodyPr>
-          <a:lstStyle/>
-          <a:p>
-            <a:pPr algn="ctr"/>
-            <a:r>
-              <a:rPr lang="en-US" sz="2000" dirty="0">
-                <a:solidFill>
-                  <a:srgbClr val="FFFF00"/>
-                </a:solidFill>
-                <a:latin typeface="Arial" panose="020B0604020202020204" pitchFamily="34" charset="0"/>
-                <a:cs typeface="Arial" panose="020B0604020202020204" pitchFamily="34" charset="0"/>
-              </a:rPr>
-              <a:t>IU runtime crate</a:t>
-            </a:r>
-          </a:p>
-          <a:p>
-            <a:pPr algn="ctr"/>
-            <a:r>
-              <a:rPr lang="en-US" sz="2000" dirty="0">
-                <a:solidFill>
-                  <a:srgbClr val="FFFF00"/>
-                </a:solidFill>
-                <a:latin typeface="Arial" panose="020B0604020202020204" pitchFamily="34" charset="0"/>
-                <a:cs typeface="Arial" panose="020B0604020202020204" pitchFamily="34" charset="0"/>
-              </a:rPr>
-              <a:t>abstraction</a:t>
-            </a:r>
-          </a:p>
-        </p:txBody>
-      </p:sp>
-      <p:cxnSp>
-        <p:nvCxnSpPr>
-          <p:cNvPr id="75" name="Straight Connector 74">
-            <a:extLst>
-              <a:ext uri="{FF2B5EF4-FFF2-40B4-BE49-F238E27FC236}">
-                <a16:creationId xmlns:a16="http://schemas.microsoft.com/office/drawing/2014/main" id="{929E03F4-5BAC-B050-C6C5-1C68C00D512D}"/>
-              </a:ext>
-            </a:extLst>
-          </p:cNvPr>
-          <p:cNvCxnSpPr>
-            <a:cxnSpLocks/>
-          </p:cNvCxnSpPr>
-          <p:nvPr/>
-        </p:nvCxnSpPr>
-        <p:spPr>
-          <a:xfrm>
-            <a:off x="4707080" y="1426248"/>
-            <a:ext cx="0" cy="4716135"/>
-          </a:xfrm>
-          <a:prstGeom prst="line">
-            <a:avLst/>
-          </a:prstGeom>
-          <a:ln w="25400">
-            <a:solidFill>
-              <a:schemeClr val="tx1">
-                <a:lumMod val="75000"/>
-                <a:lumOff val="25000"/>
+              <a:schemeClr val="bg2">
+                <a:lumMod val="50000"/>
               </a:schemeClr>
             </a:solidFill>
-            <a:prstDash val="dash"/>
-          </a:ln>
-        </p:spPr>
-        <p:style>
-          <a:lnRef idx="1">
-            <a:schemeClr val="accent1"/>
-          </a:lnRef>
-          <a:fillRef idx="0">
-            <a:schemeClr val="accent1"/>
-          </a:fillRef>
-          <a:effectRef idx="0">
-            <a:schemeClr val="accent1"/>
-          </a:effectRef>
-          <a:fontRef idx="minor">
-            <a:schemeClr val="tx1"/>
-          </a:fontRef>
-        </p:style>
-      </p:cxnSp>
-      <p:sp>
-        <p:nvSpPr>
-          <p:cNvPr id="77" name="TextBox 76">
-            <a:extLst>
-              <a:ext uri="{FF2B5EF4-FFF2-40B4-BE49-F238E27FC236}">
-                <a16:creationId xmlns:a16="http://schemas.microsoft.com/office/drawing/2014/main" id="{EA19C308-AD62-2E82-9B27-312C9153DA8C}"/>
-              </a:ext>
-            </a:extLst>
-          </p:cNvPr>
-          <p:cNvSpPr txBox="1"/>
-          <p:nvPr/>
-        </p:nvSpPr>
-        <p:spPr>
-          <a:xfrm>
-            <a:off x="4833219" y="1350840"/>
-            <a:ext cx="1013791" cy="369332"/>
-          </a:xfrm>
-          <a:prstGeom prst="rect">
-            <a:avLst/>
-          </a:prstGeom>
-          <a:noFill/>
-        </p:spPr>
-        <p:txBody>
-          <a:bodyPr wrap="square" rtlCol="0">
-            <a:spAutoFit/>
-          </a:bodyPr>
-          <a:lstStyle/>
-          <a:p>
-            <a:r>
-              <a:rPr lang="en-US" dirty="0"/>
-              <a:t>unsafe</a:t>
-            </a:r>
-          </a:p>
-        </p:txBody>
-      </p:sp>
-      <p:sp>
-        <p:nvSpPr>
-          <p:cNvPr id="78" name="TextBox 77">
-            <a:extLst>
-              <a:ext uri="{FF2B5EF4-FFF2-40B4-BE49-F238E27FC236}">
-                <a16:creationId xmlns:a16="http://schemas.microsoft.com/office/drawing/2014/main" id="{F2EC9EF5-5594-0F1D-99C9-0882239CD417}"/>
-              </a:ext>
-            </a:extLst>
-          </p:cNvPr>
-          <p:cNvSpPr txBox="1"/>
-          <p:nvPr/>
-        </p:nvSpPr>
-        <p:spPr>
-          <a:xfrm>
-            <a:off x="3977420" y="1364398"/>
-            <a:ext cx="1013791" cy="369332"/>
-          </a:xfrm>
-          <a:prstGeom prst="rect">
-            <a:avLst/>
-          </a:prstGeom>
-          <a:noFill/>
-        </p:spPr>
-        <p:txBody>
-          <a:bodyPr wrap="square" rtlCol="0">
-            <a:spAutoFit/>
-          </a:bodyPr>
-          <a:lstStyle/>
-          <a:p>
-            <a:r>
-              <a:rPr lang="en-US" dirty="0"/>
-              <a:t>safe</a:t>
-            </a:r>
-          </a:p>
-        </p:txBody>
-      </p:sp>
-      <p:sp>
-        <p:nvSpPr>
-          <p:cNvPr id="79" name="Rounded Rectangle 78">
-            <a:extLst>
-              <a:ext uri="{FF2B5EF4-FFF2-40B4-BE49-F238E27FC236}">
-                <a16:creationId xmlns:a16="http://schemas.microsoft.com/office/drawing/2014/main" id="{88A2A266-214E-DFF4-1203-2ABB6FA571CE}"/>
-              </a:ext>
-            </a:extLst>
-          </p:cNvPr>
-          <p:cNvSpPr/>
-          <p:nvPr/>
-        </p:nvSpPr>
-        <p:spPr>
-          <a:xfrm>
-            <a:off x="3233381" y="3154797"/>
-            <a:ext cx="1353575" cy="536713"/>
-          </a:xfrm>
-          <a:prstGeom prst="roundRect">
-            <a:avLst/>
-          </a:prstGeom>
-          <a:solidFill>
-            <a:schemeClr val="bg2">
-              <a:lumMod val="50000"/>
-            </a:schemeClr>
-          </a:solidFill>
-          <a:ln>
+            <a:ln>
+              <a:solidFill>
+                <a:srgbClr val="FF9300"/>
+              </a:solidFill>
+            </a:ln>
+          </p:spPr>
+          <p:style>
+            <a:lnRef idx="2">
+              <a:schemeClr val="accent1">
+                <a:shade val="50000"/>
+              </a:schemeClr>
+            </a:lnRef>
+            <a:fillRef idx="1">
+              <a:schemeClr val="accent1"/>
+            </a:fillRef>
+            <a:effectRef idx="0">
+              <a:schemeClr val="accent1"/>
+            </a:effectRef>
+            <a:fontRef idx="minor">
+              <a:schemeClr val="lt1"/>
+            </a:fontRef>
+          </p:style>
+          <p:txBody>
+            <a:bodyPr rtlCol="0" anchor="ctr"/>
+            <a:lstStyle/>
+            <a:p>
+              <a:pPr algn="ctr"/>
+              <a:r>
+                <a:rPr lang="en-US" dirty="0" err="1"/>
+                <a:t>uapi</a:t>
+              </a:r>
+              <a:r>
+                <a:rPr lang="en-US" dirty="0"/>
+                <a:t> binding</a:t>
+              </a:r>
+            </a:p>
+          </p:txBody>
+        </p:sp>
+        <p:sp>
+          <p:nvSpPr>
+            <p:cNvPr id="33" name="Rounded Rectangle 32">
+              <a:extLst>
+                <a:ext uri="{FF2B5EF4-FFF2-40B4-BE49-F238E27FC236}">
+                  <a16:creationId xmlns:a16="http://schemas.microsoft.com/office/drawing/2014/main" id="{CF0A77D5-2F7D-2699-FE73-79A9EAA22354}"/>
+                </a:ext>
+              </a:extLst>
+            </p:cNvPr>
+            <p:cNvSpPr/>
+            <p:nvPr/>
+          </p:nvSpPr>
+          <p:spPr>
+            <a:xfrm>
+              <a:off x="6427452" y="3157720"/>
+              <a:ext cx="1356495" cy="536713"/>
+            </a:xfrm>
+            <a:prstGeom prst="roundRect">
+              <a:avLst/>
+            </a:prstGeom>
             <a:solidFill>
-              <a:srgbClr val="FF9300"/>
-            </a:solidFill>
-          </a:ln>
-        </p:spPr>
-        <p:style>
-          <a:lnRef idx="2">
-            <a:schemeClr val="accent1">
-              <a:shade val="50000"/>
-            </a:schemeClr>
-          </a:lnRef>
-          <a:fillRef idx="1">
-            <a:schemeClr val="accent1"/>
-          </a:fillRef>
-          <a:effectRef idx="0">
-            <a:schemeClr val="accent1"/>
-          </a:effectRef>
-          <a:fontRef idx="minor">
-            <a:schemeClr val="lt1"/>
-          </a:fontRef>
-        </p:style>
-        <p:txBody>
-          <a:bodyPr rtlCol="0" anchor="ctr"/>
-          <a:lstStyle/>
-          <a:p>
-            <a:pPr algn="ctr"/>
-            <a:r>
-              <a:rPr lang="en-US" dirty="0"/>
-              <a:t>IU map interface</a:t>
-            </a:r>
-          </a:p>
-        </p:txBody>
-      </p:sp>
-      <p:cxnSp>
-        <p:nvCxnSpPr>
-          <p:cNvPr id="81" name="Straight Arrow Connector 80">
-            <a:extLst>
-              <a:ext uri="{FF2B5EF4-FFF2-40B4-BE49-F238E27FC236}">
-                <a16:creationId xmlns:a16="http://schemas.microsoft.com/office/drawing/2014/main" id="{E8DC8778-AE3C-C475-3BD3-D85324F6182E}"/>
-              </a:ext>
-            </a:extLst>
-          </p:cNvPr>
-          <p:cNvCxnSpPr>
-            <a:cxnSpLocks/>
-            <a:stCxn id="33" idx="2"/>
-            <a:endCxn id="62" idx="3"/>
-          </p:cNvCxnSpPr>
-          <p:nvPr/>
-        </p:nvCxnSpPr>
-        <p:spPr>
-          <a:xfrm flipH="1">
-            <a:off x="5510858" y="3694433"/>
-            <a:ext cx="1594842" cy="399608"/>
-          </a:xfrm>
-          <a:prstGeom prst="straightConnector1">
-            <a:avLst/>
-          </a:prstGeom>
-          <a:ln w="15875">
-            <a:tailEnd type="triangle"/>
-          </a:ln>
-        </p:spPr>
-        <p:style>
-          <a:lnRef idx="1">
-            <a:schemeClr val="accent1"/>
-          </a:lnRef>
-          <a:fillRef idx="0">
-            <a:schemeClr val="accent1"/>
-          </a:fillRef>
-          <a:effectRef idx="0">
-            <a:schemeClr val="accent1"/>
-          </a:effectRef>
-          <a:fontRef idx="minor">
-            <a:schemeClr val="tx1"/>
-          </a:fontRef>
-        </p:style>
-      </p:cxnSp>
-      <p:sp>
-        <p:nvSpPr>
-          <p:cNvPr id="88" name="Rounded Rectangle 87">
-            <a:extLst>
-              <a:ext uri="{FF2B5EF4-FFF2-40B4-BE49-F238E27FC236}">
-                <a16:creationId xmlns:a16="http://schemas.microsoft.com/office/drawing/2014/main" id="{D0AD0CF3-E8A3-E92A-A150-AEF905E45F07}"/>
-              </a:ext>
-            </a:extLst>
-          </p:cNvPr>
-          <p:cNvSpPr/>
-          <p:nvPr/>
-        </p:nvSpPr>
-        <p:spPr>
-          <a:xfrm>
-            <a:off x="209832" y="1789043"/>
-            <a:ext cx="1878495" cy="3279914"/>
-          </a:xfrm>
-          <a:prstGeom prst="roundRect">
-            <a:avLst/>
-          </a:prstGeom>
-        </p:spPr>
-        <p:style>
-          <a:lnRef idx="2">
-            <a:schemeClr val="accent1">
-              <a:shade val="50000"/>
-            </a:schemeClr>
-          </a:lnRef>
-          <a:fillRef idx="1">
-            <a:schemeClr val="accent1"/>
-          </a:fillRef>
-          <a:effectRef idx="0">
-            <a:schemeClr val="accent1"/>
-          </a:effectRef>
-          <a:fontRef idx="minor">
-            <a:schemeClr val="lt1"/>
-          </a:fontRef>
-        </p:style>
-        <p:txBody>
-          <a:bodyPr rtlCol="0" anchor="ctr"/>
-          <a:lstStyle/>
-          <a:p>
-            <a:pPr algn="ctr"/>
-            <a:r>
-              <a:rPr lang="en-US" dirty="0"/>
-              <a:t>inner-</a:t>
-            </a:r>
-            <a:r>
-              <a:rPr lang="en-US" dirty="0" err="1"/>
-              <a:t>unikernel</a:t>
-            </a:r>
-            <a:endParaRPr lang="en-US" dirty="0"/>
-          </a:p>
-          <a:p>
-            <a:pPr algn="ctr"/>
-            <a:r>
-              <a:rPr lang="en-US" dirty="0"/>
-              <a:t>program</a:t>
-            </a:r>
-          </a:p>
-        </p:txBody>
-      </p:sp>
-      <p:cxnSp>
-        <p:nvCxnSpPr>
-          <p:cNvPr id="90" name="Straight Arrow Connector 89">
-            <a:extLst>
-              <a:ext uri="{FF2B5EF4-FFF2-40B4-BE49-F238E27FC236}">
-                <a16:creationId xmlns:a16="http://schemas.microsoft.com/office/drawing/2014/main" id="{567E17C8-E0B8-727A-9A3E-2AE1081D5B89}"/>
-              </a:ext>
-            </a:extLst>
-          </p:cNvPr>
-          <p:cNvCxnSpPr>
-            <a:stCxn id="29" idx="1"/>
-          </p:cNvCxnSpPr>
-          <p:nvPr/>
-        </p:nvCxnSpPr>
-        <p:spPr>
-          <a:xfrm flipH="1" flipV="1">
-            <a:off x="2085355" y="2365490"/>
-            <a:ext cx="1142011" cy="1"/>
-          </a:xfrm>
-          <a:prstGeom prst="straightConnector1">
-            <a:avLst/>
-          </a:prstGeom>
-          <a:ln w="15875">
-            <a:tailEnd type="triangle"/>
-          </a:ln>
-        </p:spPr>
-        <p:style>
-          <a:lnRef idx="1">
-            <a:schemeClr val="accent1"/>
-          </a:lnRef>
-          <a:fillRef idx="0">
-            <a:schemeClr val="accent1"/>
-          </a:fillRef>
-          <a:effectRef idx="0">
-            <a:schemeClr val="accent1"/>
-          </a:effectRef>
-          <a:fontRef idx="minor">
-            <a:schemeClr val="tx1"/>
-          </a:fontRef>
-        </p:style>
-      </p:cxnSp>
-      <p:cxnSp>
-        <p:nvCxnSpPr>
-          <p:cNvPr id="91" name="Straight Arrow Connector 90">
-            <a:extLst>
-              <a:ext uri="{FF2B5EF4-FFF2-40B4-BE49-F238E27FC236}">
-                <a16:creationId xmlns:a16="http://schemas.microsoft.com/office/drawing/2014/main" id="{4EEC93E2-3B4E-83B6-A9B6-C9D3F9B49237}"/>
-              </a:ext>
-            </a:extLst>
-          </p:cNvPr>
-          <p:cNvCxnSpPr>
-            <a:cxnSpLocks/>
-            <a:stCxn id="79" idx="1"/>
-            <a:endCxn id="88" idx="3"/>
-          </p:cNvCxnSpPr>
-          <p:nvPr/>
-        </p:nvCxnSpPr>
-        <p:spPr>
-          <a:xfrm flipH="1">
-            <a:off x="2088327" y="3423154"/>
-            <a:ext cx="1145054" cy="5846"/>
-          </a:xfrm>
-          <a:prstGeom prst="straightConnector1">
-            <a:avLst/>
-          </a:prstGeom>
-          <a:ln w="15875">
-            <a:tailEnd type="triangle"/>
-          </a:ln>
-        </p:spPr>
-        <p:style>
-          <a:lnRef idx="1">
-            <a:schemeClr val="accent1"/>
-          </a:lnRef>
-          <a:fillRef idx="0">
-            <a:schemeClr val="accent1"/>
-          </a:fillRef>
-          <a:effectRef idx="0">
-            <a:schemeClr val="accent1"/>
-          </a:effectRef>
-          <a:fontRef idx="minor">
-            <a:schemeClr val="tx1"/>
-          </a:fontRef>
-        </p:style>
-      </p:cxnSp>
-      <p:cxnSp>
-        <p:nvCxnSpPr>
-          <p:cNvPr id="104" name="Straight Connector 103">
-            <a:extLst>
-              <a:ext uri="{FF2B5EF4-FFF2-40B4-BE49-F238E27FC236}">
-                <a16:creationId xmlns:a16="http://schemas.microsoft.com/office/drawing/2014/main" id="{E2F6EE67-B74F-E976-EAEE-434FDAAAD089}"/>
-              </a:ext>
-            </a:extLst>
-          </p:cNvPr>
-          <p:cNvCxnSpPr>
-            <a:cxnSpLocks/>
-          </p:cNvCxnSpPr>
-          <p:nvPr/>
-        </p:nvCxnSpPr>
-        <p:spPr>
-          <a:xfrm>
-            <a:off x="9966333" y="1488824"/>
-            <a:ext cx="0" cy="4653559"/>
-          </a:xfrm>
-          <a:prstGeom prst="line">
-            <a:avLst/>
-          </a:prstGeom>
-          <a:ln w="25400">
-            <a:solidFill>
-              <a:schemeClr val="tx1">
-                <a:lumMod val="75000"/>
-                <a:lumOff val="25000"/>
+              <a:schemeClr val="bg2">
+                <a:lumMod val="50000"/>
               </a:schemeClr>
             </a:solidFill>
-            <a:prstDash val="dash"/>
-          </a:ln>
-        </p:spPr>
-        <p:style>
-          <a:lnRef idx="1">
-            <a:schemeClr val="accent1"/>
-          </a:lnRef>
-          <a:fillRef idx="0">
-            <a:schemeClr val="accent1"/>
-          </a:fillRef>
-          <a:effectRef idx="0">
-            <a:schemeClr val="accent1"/>
-          </a:effectRef>
-          <a:fontRef idx="minor">
-            <a:schemeClr val="tx1"/>
-          </a:fontRef>
-        </p:style>
-      </p:cxnSp>
-      <p:sp>
-        <p:nvSpPr>
-          <p:cNvPr id="105" name="TextBox 104">
-            <a:extLst>
-              <a:ext uri="{FF2B5EF4-FFF2-40B4-BE49-F238E27FC236}">
-                <a16:creationId xmlns:a16="http://schemas.microsoft.com/office/drawing/2014/main" id="{2C45A353-36CD-F9E0-02C8-950C0181374B}"/>
-              </a:ext>
-            </a:extLst>
-          </p:cNvPr>
-          <p:cNvSpPr txBox="1"/>
-          <p:nvPr/>
-        </p:nvSpPr>
-        <p:spPr>
-          <a:xfrm>
-            <a:off x="10092471" y="1425554"/>
-            <a:ext cx="1013791" cy="369332"/>
-          </a:xfrm>
-          <a:prstGeom prst="rect">
-            <a:avLst/>
-          </a:prstGeom>
-          <a:noFill/>
-        </p:spPr>
-        <p:txBody>
-          <a:bodyPr wrap="square" rtlCol="0">
-            <a:spAutoFit/>
-          </a:bodyPr>
-          <a:lstStyle/>
-          <a:p>
-            <a:r>
-              <a:rPr lang="en-US" dirty="0"/>
-              <a:t>kernel</a:t>
-            </a:r>
-          </a:p>
-        </p:txBody>
-      </p:sp>
-      <p:sp>
-        <p:nvSpPr>
-          <p:cNvPr id="106" name="TextBox 105">
-            <a:extLst>
-              <a:ext uri="{FF2B5EF4-FFF2-40B4-BE49-F238E27FC236}">
-                <a16:creationId xmlns:a16="http://schemas.microsoft.com/office/drawing/2014/main" id="{EB24BC0F-1576-B24B-15D1-80585798A570}"/>
-              </a:ext>
-            </a:extLst>
-          </p:cNvPr>
-          <p:cNvSpPr txBox="1"/>
-          <p:nvPr/>
-        </p:nvSpPr>
-        <p:spPr>
-          <a:xfrm>
-            <a:off x="9236673" y="1426974"/>
-            <a:ext cx="1013791" cy="369332"/>
-          </a:xfrm>
-          <a:prstGeom prst="rect">
-            <a:avLst/>
-          </a:prstGeom>
-          <a:noFill/>
-        </p:spPr>
-        <p:txBody>
-          <a:bodyPr wrap="square" rtlCol="0">
-            <a:spAutoFit/>
-          </a:bodyPr>
-          <a:lstStyle/>
-          <a:p>
-            <a:r>
-              <a:rPr lang="en-US" dirty="0"/>
-              <a:t>user</a:t>
-            </a:r>
-          </a:p>
-        </p:txBody>
-      </p:sp>
-      <p:cxnSp>
-        <p:nvCxnSpPr>
-          <p:cNvPr id="107" name="Straight Connector 106">
-            <a:extLst>
-              <a:ext uri="{FF2B5EF4-FFF2-40B4-BE49-F238E27FC236}">
-                <a16:creationId xmlns:a16="http://schemas.microsoft.com/office/drawing/2014/main" id="{B978114A-B787-06E7-3694-0618E4ECC2A2}"/>
-              </a:ext>
-            </a:extLst>
-          </p:cNvPr>
-          <p:cNvCxnSpPr>
-            <a:cxnSpLocks/>
-          </p:cNvCxnSpPr>
-          <p:nvPr/>
-        </p:nvCxnSpPr>
-        <p:spPr>
-          <a:xfrm>
-            <a:off x="2562936" y="1422371"/>
-            <a:ext cx="0" cy="4720012"/>
-          </a:xfrm>
-          <a:prstGeom prst="line">
-            <a:avLst/>
-          </a:prstGeom>
-          <a:ln w="25400">
+            <a:ln>
+              <a:solidFill>
+                <a:srgbClr val="FF9300"/>
+              </a:solidFill>
+            </a:ln>
+          </p:spPr>
+          <p:style>
+            <a:lnRef idx="2">
+              <a:schemeClr val="accent1">
+                <a:shade val="50000"/>
+              </a:schemeClr>
+            </a:lnRef>
+            <a:fillRef idx="1">
+              <a:schemeClr val="accent1"/>
+            </a:fillRef>
+            <a:effectRef idx="0">
+              <a:schemeClr val="accent1"/>
+            </a:effectRef>
+            <a:fontRef idx="minor">
+              <a:schemeClr val="lt1"/>
+            </a:fontRef>
+          </p:style>
+          <p:txBody>
+            <a:bodyPr rtlCol="0" anchor="ctr"/>
+            <a:lstStyle/>
+            <a:p>
+              <a:pPr algn="ctr"/>
+              <a:r>
+                <a:rPr lang="en-US" dirty="0"/>
+                <a:t>kernel binding</a:t>
+              </a:r>
+            </a:p>
+          </p:txBody>
+        </p:sp>
+        <p:sp>
+          <p:nvSpPr>
+            <p:cNvPr id="38" name="Rounded Rectangle 37">
+              <a:extLst>
+                <a:ext uri="{FF2B5EF4-FFF2-40B4-BE49-F238E27FC236}">
+                  <a16:creationId xmlns:a16="http://schemas.microsoft.com/office/drawing/2014/main" id="{98CC1AE5-D388-90AD-3522-0B133747AA3B}"/>
+                </a:ext>
+              </a:extLst>
+            </p:cNvPr>
+            <p:cNvSpPr/>
+            <p:nvPr/>
+          </p:nvSpPr>
+          <p:spPr>
+            <a:xfrm>
+              <a:off x="6439923" y="4094049"/>
+              <a:ext cx="1356496" cy="536713"/>
+            </a:xfrm>
+            <a:prstGeom prst="roundRect">
+              <a:avLst/>
+            </a:prstGeom>
             <a:solidFill>
-              <a:schemeClr val="tx1">
-                <a:lumMod val="75000"/>
-                <a:lumOff val="25000"/>
+              <a:schemeClr val="bg2">
+                <a:lumMod val="50000"/>
               </a:schemeClr>
             </a:solidFill>
-            <a:prstDash val="dash"/>
-          </a:ln>
-        </p:spPr>
-        <p:style>
-          <a:lnRef idx="1">
-            <a:schemeClr val="accent1"/>
-          </a:lnRef>
-          <a:fillRef idx="0">
-            <a:schemeClr val="accent1"/>
-          </a:fillRef>
-          <a:effectRef idx="0">
-            <a:schemeClr val="accent1"/>
-          </a:effectRef>
-          <a:fontRef idx="minor">
-            <a:schemeClr val="tx1"/>
-          </a:fontRef>
-        </p:style>
-      </p:cxnSp>
-      <p:sp>
-        <p:nvSpPr>
-          <p:cNvPr id="108" name="TextBox 107">
-            <a:extLst>
-              <a:ext uri="{FF2B5EF4-FFF2-40B4-BE49-F238E27FC236}">
-                <a16:creationId xmlns:a16="http://schemas.microsoft.com/office/drawing/2014/main" id="{A888EEA6-D504-E0FB-4AA0-B4436C900766}"/>
-              </a:ext>
-            </a:extLst>
-          </p:cNvPr>
-          <p:cNvSpPr txBox="1"/>
-          <p:nvPr/>
-        </p:nvSpPr>
-        <p:spPr>
-          <a:xfrm>
-            <a:off x="2689075" y="1346963"/>
-            <a:ext cx="1013791" cy="369332"/>
-          </a:xfrm>
-          <a:prstGeom prst="rect">
-            <a:avLst/>
-          </a:prstGeom>
-          <a:noFill/>
-        </p:spPr>
-        <p:txBody>
-          <a:bodyPr wrap="square" rtlCol="0">
-            <a:spAutoFit/>
-          </a:bodyPr>
-          <a:lstStyle/>
-          <a:p>
-            <a:r>
-              <a:rPr lang="en-US" dirty="0"/>
-              <a:t>trusted</a:t>
-            </a:r>
-          </a:p>
-        </p:txBody>
-      </p:sp>
-      <p:sp>
-        <p:nvSpPr>
-          <p:cNvPr id="109" name="TextBox 108">
-            <a:extLst>
-              <a:ext uri="{FF2B5EF4-FFF2-40B4-BE49-F238E27FC236}">
-                <a16:creationId xmlns:a16="http://schemas.microsoft.com/office/drawing/2014/main" id="{75F41CD1-7E85-881B-BE7D-1FCEB2C17506}"/>
-              </a:ext>
-            </a:extLst>
-          </p:cNvPr>
-          <p:cNvSpPr txBox="1"/>
-          <p:nvPr/>
-        </p:nvSpPr>
-        <p:spPr>
-          <a:xfrm>
-            <a:off x="1317418" y="1360521"/>
-            <a:ext cx="1529650" cy="369332"/>
-          </a:xfrm>
-          <a:prstGeom prst="rect">
-            <a:avLst/>
-          </a:prstGeom>
-          <a:noFill/>
-        </p:spPr>
-        <p:txBody>
-          <a:bodyPr wrap="square" rtlCol="0">
-            <a:spAutoFit/>
-          </a:bodyPr>
-          <a:lstStyle/>
-          <a:p>
-            <a:r>
-              <a:rPr lang="en-US" dirty="0"/>
-              <a:t>untrusted</a:t>
-            </a:r>
-          </a:p>
-        </p:txBody>
-      </p:sp>
-      <p:cxnSp>
-        <p:nvCxnSpPr>
-          <p:cNvPr id="110" name="Straight Arrow Connector 109">
-            <a:extLst>
-              <a:ext uri="{FF2B5EF4-FFF2-40B4-BE49-F238E27FC236}">
-                <a16:creationId xmlns:a16="http://schemas.microsoft.com/office/drawing/2014/main" id="{73BF9F92-7EBB-452B-FDAB-C6B62BAC9EA8}"/>
-              </a:ext>
-            </a:extLst>
-          </p:cNvPr>
-          <p:cNvCxnSpPr>
-            <a:cxnSpLocks/>
-            <a:stCxn id="61" idx="1"/>
-          </p:cNvCxnSpPr>
-          <p:nvPr/>
-        </p:nvCxnSpPr>
-        <p:spPr>
-          <a:xfrm flipH="1">
-            <a:off x="2091370" y="4362022"/>
-            <a:ext cx="1142011" cy="0"/>
-          </a:xfrm>
-          <a:prstGeom prst="straightConnector1">
-            <a:avLst/>
-          </a:prstGeom>
-          <a:ln w="15875">
-            <a:tailEnd type="triangle"/>
-          </a:ln>
-        </p:spPr>
-        <p:style>
-          <a:lnRef idx="1">
-            <a:schemeClr val="accent1"/>
-          </a:lnRef>
-          <a:fillRef idx="0">
-            <a:schemeClr val="accent1"/>
-          </a:fillRef>
-          <a:effectRef idx="0">
-            <a:schemeClr val="accent1"/>
-          </a:effectRef>
-          <a:fontRef idx="minor">
-            <a:schemeClr val="tx1"/>
-          </a:fontRef>
-        </p:style>
-      </p:cxnSp>
-      <p:cxnSp>
-        <p:nvCxnSpPr>
-          <p:cNvPr id="125" name="Elbow Connector 124">
-            <a:extLst>
-              <a:ext uri="{FF2B5EF4-FFF2-40B4-BE49-F238E27FC236}">
-                <a16:creationId xmlns:a16="http://schemas.microsoft.com/office/drawing/2014/main" id="{6604FE83-B75E-5256-FDC2-71EA616DEE3A}"/>
-              </a:ext>
-            </a:extLst>
-          </p:cNvPr>
-          <p:cNvCxnSpPr>
-            <a:cxnSpLocks/>
-            <a:stCxn id="88" idx="2"/>
-          </p:cNvCxnSpPr>
-          <p:nvPr/>
-        </p:nvCxnSpPr>
-        <p:spPr>
-          <a:xfrm rot="16200000" flipH="1">
-            <a:off x="3790726" y="2427310"/>
-            <a:ext cx="685799" cy="5969091"/>
-          </a:xfrm>
-          <a:prstGeom prst="bentConnector2">
-            <a:avLst/>
-          </a:prstGeom>
-          <a:ln w="19050">
+            <a:ln>
+              <a:solidFill>
+                <a:srgbClr val="FF9300"/>
+              </a:solidFill>
+            </a:ln>
+          </p:spPr>
+          <p:style>
+            <a:lnRef idx="2">
+              <a:schemeClr val="accent1">
+                <a:shade val="50000"/>
+              </a:schemeClr>
+            </a:lnRef>
+            <a:fillRef idx="1">
+              <a:schemeClr val="accent1"/>
+            </a:fillRef>
+            <a:effectRef idx="0">
+              <a:schemeClr val="accent1"/>
+            </a:effectRef>
+            <a:fontRef idx="minor">
+              <a:schemeClr val="lt1"/>
+            </a:fontRef>
+          </p:style>
+          <p:txBody>
+            <a:bodyPr rtlCol="0" anchor="ctr"/>
+            <a:lstStyle/>
+            <a:p>
+              <a:pPr algn="ctr"/>
+              <a:r>
+                <a:rPr lang="en-US" dirty="0"/>
+                <a:t>helper stub</a:t>
+              </a:r>
+            </a:p>
+          </p:txBody>
+        </p:sp>
+        <p:cxnSp>
+          <p:nvCxnSpPr>
+            <p:cNvPr id="46" name="Straight Arrow Connector 45">
+              <a:extLst>
+                <a:ext uri="{FF2B5EF4-FFF2-40B4-BE49-F238E27FC236}">
+                  <a16:creationId xmlns:a16="http://schemas.microsoft.com/office/drawing/2014/main" id="{DB4A4956-7201-8944-4BB6-FF5B3F19C4D3}"/>
+                </a:ext>
+              </a:extLst>
+            </p:cNvPr>
+            <p:cNvCxnSpPr>
+              <a:cxnSpLocks/>
+              <a:stCxn id="38" idx="1"/>
+              <a:endCxn id="62" idx="0"/>
+            </p:cNvCxnSpPr>
+            <p:nvPr/>
+          </p:nvCxnSpPr>
+          <p:spPr>
+            <a:xfrm flipH="1" flipV="1">
+              <a:off x="6187645" y="4362398"/>
+              <a:ext cx="252278" cy="8"/>
+            </a:xfrm>
+            <a:prstGeom prst="straightConnector1">
+              <a:avLst/>
+            </a:prstGeom>
+            <a:ln w="15875">
+              <a:tailEnd type="triangle"/>
+            </a:ln>
+          </p:spPr>
+          <p:style>
+            <a:lnRef idx="1">
+              <a:schemeClr val="accent1"/>
+            </a:lnRef>
+            <a:fillRef idx="0">
+              <a:schemeClr val="accent1"/>
+            </a:fillRef>
+            <a:effectRef idx="0">
+              <a:schemeClr val="accent1"/>
+            </a:effectRef>
+            <a:fontRef idx="minor">
+              <a:schemeClr val="tx1"/>
+            </a:fontRef>
+          </p:style>
+        </p:cxnSp>
+        <p:sp>
+          <p:nvSpPr>
+            <p:cNvPr id="61" name="Rounded Rectangle 60">
+              <a:extLst>
+                <a:ext uri="{FF2B5EF4-FFF2-40B4-BE49-F238E27FC236}">
+                  <a16:creationId xmlns:a16="http://schemas.microsoft.com/office/drawing/2014/main" id="{0679C773-B4FC-A86C-B9D4-EE2DD328320F}"/>
+                </a:ext>
+              </a:extLst>
+            </p:cNvPr>
+            <p:cNvSpPr/>
+            <p:nvPr/>
+          </p:nvSpPr>
+          <p:spPr>
+            <a:xfrm>
+              <a:off x="3233381" y="4093665"/>
+              <a:ext cx="1353575" cy="536713"/>
+            </a:xfrm>
+            <a:prstGeom prst="roundRect">
+              <a:avLst/>
+            </a:prstGeom>
             <a:solidFill>
-              <a:schemeClr val="accent4">
-                <a:lumMod val="75000"/>
+              <a:schemeClr val="bg2">
+                <a:lumMod val="50000"/>
               </a:schemeClr>
             </a:solidFill>
-          </a:ln>
-        </p:spPr>
-        <p:style>
-          <a:lnRef idx="1">
-            <a:schemeClr val="accent1"/>
-          </a:lnRef>
-          <a:fillRef idx="0">
-            <a:schemeClr val="accent1"/>
-          </a:fillRef>
-          <a:effectRef idx="0">
-            <a:schemeClr val="accent1"/>
-          </a:effectRef>
-          <a:fontRef idx="minor">
-            <a:schemeClr val="tx1"/>
-          </a:fontRef>
-        </p:style>
-      </p:cxnSp>
-      <p:cxnSp>
-        <p:nvCxnSpPr>
-          <p:cNvPr id="127" name="Straight Arrow Connector 126">
-            <a:extLst>
-              <a:ext uri="{FF2B5EF4-FFF2-40B4-BE49-F238E27FC236}">
-                <a16:creationId xmlns:a16="http://schemas.microsoft.com/office/drawing/2014/main" id="{6E4F8A60-AD8E-E538-D405-B509B771E1DA}"/>
-              </a:ext>
-            </a:extLst>
-          </p:cNvPr>
-          <p:cNvCxnSpPr>
-            <a:cxnSpLocks/>
-            <a:endCxn id="38" idx="2"/>
-          </p:cNvCxnSpPr>
-          <p:nvPr/>
-        </p:nvCxnSpPr>
-        <p:spPr>
-          <a:xfrm flipV="1">
-            <a:off x="7118171" y="4630762"/>
-            <a:ext cx="0" cy="1123995"/>
-          </a:xfrm>
-          <a:prstGeom prst="straightConnector1">
-            <a:avLst/>
-          </a:prstGeom>
-          <a:ln w="19050">
+            <a:ln>
+              <a:solidFill>
+                <a:srgbClr val="FF9300"/>
+              </a:solidFill>
+            </a:ln>
+          </p:spPr>
+          <p:style>
+            <a:lnRef idx="2">
+              <a:schemeClr val="accent1">
+                <a:shade val="50000"/>
+              </a:schemeClr>
+            </a:lnRef>
+            <a:fillRef idx="1">
+              <a:schemeClr val="accent1"/>
+            </a:fillRef>
+            <a:effectRef idx="0">
+              <a:schemeClr val="accent1"/>
+            </a:effectRef>
+            <a:fontRef idx="minor">
+              <a:schemeClr val="lt1"/>
+            </a:fontRef>
+          </p:style>
+          <p:txBody>
+            <a:bodyPr rtlCol="0" anchor="ctr"/>
+            <a:lstStyle/>
+            <a:p>
+              <a:pPr algn="ctr"/>
+              <a:r>
+                <a:rPr lang="en-US" dirty="0"/>
+                <a:t>IU helper interface</a:t>
+              </a:r>
+            </a:p>
+          </p:txBody>
+        </p:sp>
+        <p:sp>
+          <p:nvSpPr>
+            <p:cNvPr id="62" name="Snip Diagonal Corner Rectangle 61">
+              <a:extLst>
+                <a:ext uri="{FF2B5EF4-FFF2-40B4-BE49-F238E27FC236}">
+                  <a16:creationId xmlns:a16="http://schemas.microsoft.com/office/drawing/2014/main" id="{AC89A4DA-5D0C-6460-7673-57C026354FC7}"/>
+                </a:ext>
+              </a:extLst>
+            </p:cNvPr>
+            <p:cNvSpPr/>
+            <p:nvPr/>
+          </p:nvSpPr>
+          <p:spPr>
+            <a:xfrm>
+              <a:off x="4834070" y="4094041"/>
+              <a:ext cx="1353575" cy="536713"/>
+            </a:xfrm>
+            <a:prstGeom prst="snip2DiagRect">
+              <a:avLst/>
+            </a:prstGeom>
             <a:solidFill>
-              <a:schemeClr val="accent4">
-                <a:lumMod val="75000"/>
+              <a:schemeClr val="bg2">
+                <a:lumMod val="50000"/>
               </a:schemeClr>
             </a:solidFill>
-            <a:tailEnd type="triangle"/>
-          </a:ln>
-        </p:spPr>
-        <p:style>
-          <a:lnRef idx="1">
-            <a:schemeClr val="accent1"/>
-          </a:lnRef>
-          <a:fillRef idx="0">
-            <a:schemeClr val="accent1"/>
-          </a:fillRef>
-          <a:effectRef idx="0">
-            <a:schemeClr val="accent1"/>
-          </a:effectRef>
-          <a:fontRef idx="minor">
-            <a:schemeClr val="tx1"/>
-          </a:fontRef>
-        </p:style>
-      </p:cxnSp>
-      <p:sp>
-        <p:nvSpPr>
-          <p:cNvPr id="130" name="TextBox 129">
-            <a:extLst>
-              <a:ext uri="{FF2B5EF4-FFF2-40B4-BE49-F238E27FC236}">
-                <a16:creationId xmlns:a16="http://schemas.microsoft.com/office/drawing/2014/main" id="{775D37A1-CC92-E1B4-55ED-8B087A9F3F5F}"/>
-              </a:ext>
-            </a:extLst>
-          </p:cNvPr>
-          <p:cNvSpPr txBox="1"/>
-          <p:nvPr/>
-        </p:nvSpPr>
-        <p:spPr>
-          <a:xfrm>
-            <a:off x="4510432" y="5605294"/>
-            <a:ext cx="427381" cy="369332"/>
-          </a:xfrm>
-          <a:prstGeom prst="rect">
-            <a:avLst/>
-          </a:prstGeom>
-          <a:noFill/>
-        </p:spPr>
-        <p:txBody>
-          <a:bodyPr wrap="square" rtlCol="0">
-            <a:spAutoFit/>
-          </a:bodyPr>
-          <a:lstStyle/>
-          <a:p>
-            <a:r>
-              <a:rPr lang="en-US" dirty="0"/>
-              <a:t>❌</a:t>
-            </a:r>
-          </a:p>
-        </p:txBody>
-      </p:sp>
-      <p:cxnSp>
-        <p:nvCxnSpPr>
-          <p:cNvPr id="131" name="Straight Arrow Connector 130">
-            <a:extLst>
-              <a:ext uri="{FF2B5EF4-FFF2-40B4-BE49-F238E27FC236}">
-                <a16:creationId xmlns:a16="http://schemas.microsoft.com/office/drawing/2014/main" id="{1E3DC124-9C87-5D2F-C794-7E5809ED04E7}"/>
-              </a:ext>
-            </a:extLst>
-          </p:cNvPr>
-          <p:cNvCxnSpPr>
-            <a:cxnSpLocks/>
-            <a:stCxn id="29" idx="2"/>
-            <a:endCxn id="62" idx="3"/>
-          </p:cNvCxnSpPr>
-          <p:nvPr/>
-        </p:nvCxnSpPr>
-        <p:spPr>
-          <a:xfrm>
-            <a:off x="3904154" y="2633847"/>
-            <a:ext cx="1606704" cy="1460194"/>
-          </a:xfrm>
-          <a:prstGeom prst="straightConnector1">
-            <a:avLst/>
-          </a:prstGeom>
-          <a:ln w="15875">
-            <a:tailEnd type="triangle"/>
-          </a:ln>
-        </p:spPr>
-        <p:style>
-          <a:lnRef idx="1">
-            <a:schemeClr val="accent1"/>
-          </a:lnRef>
-          <a:fillRef idx="0">
-            <a:schemeClr val="accent1"/>
-          </a:fillRef>
-          <a:effectRef idx="0">
-            <a:schemeClr val="accent1"/>
-          </a:effectRef>
-          <a:fontRef idx="minor">
-            <a:schemeClr val="tx1"/>
-          </a:fontRef>
-        </p:style>
-      </p:cxnSp>
-      <p:cxnSp>
-        <p:nvCxnSpPr>
-          <p:cNvPr id="134" name="Straight Arrow Connector 133">
-            <a:extLst>
-              <a:ext uri="{FF2B5EF4-FFF2-40B4-BE49-F238E27FC236}">
-                <a16:creationId xmlns:a16="http://schemas.microsoft.com/office/drawing/2014/main" id="{4B8591E0-7568-F2C3-9566-0F00D7E06A9F}"/>
-              </a:ext>
-            </a:extLst>
-          </p:cNvPr>
-          <p:cNvCxnSpPr>
-            <a:cxnSpLocks/>
-            <a:stCxn id="29" idx="2"/>
-            <a:endCxn id="79" idx="0"/>
-          </p:cNvCxnSpPr>
-          <p:nvPr/>
-        </p:nvCxnSpPr>
-        <p:spPr>
-          <a:xfrm>
-            <a:off x="3904154" y="2633847"/>
-            <a:ext cx="6015" cy="520950"/>
-          </a:xfrm>
-          <a:prstGeom prst="straightConnector1">
-            <a:avLst/>
-          </a:prstGeom>
-          <a:ln w="15875">
-            <a:tailEnd type="triangle"/>
-          </a:ln>
-        </p:spPr>
-        <p:style>
-          <a:lnRef idx="1">
-            <a:schemeClr val="accent1"/>
-          </a:lnRef>
-          <a:fillRef idx="0">
-            <a:schemeClr val="accent1"/>
-          </a:fillRef>
-          <a:effectRef idx="0">
-            <a:schemeClr val="accent1"/>
-          </a:effectRef>
-          <a:fontRef idx="minor">
-            <a:schemeClr val="tx1"/>
-          </a:fontRef>
-        </p:style>
-      </p:cxnSp>
-      <p:cxnSp>
-        <p:nvCxnSpPr>
-          <p:cNvPr id="139" name="Straight Arrow Connector 138">
-            <a:extLst>
-              <a:ext uri="{FF2B5EF4-FFF2-40B4-BE49-F238E27FC236}">
-                <a16:creationId xmlns:a16="http://schemas.microsoft.com/office/drawing/2014/main" id="{858380D5-0701-EFE7-933C-857618CD10BE}"/>
-              </a:ext>
-            </a:extLst>
-          </p:cNvPr>
-          <p:cNvCxnSpPr>
-            <a:cxnSpLocks/>
-            <a:stCxn id="79" idx="2"/>
-            <a:endCxn id="61" idx="0"/>
-          </p:cNvCxnSpPr>
-          <p:nvPr/>
-        </p:nvCxnSpPr>
-        <p:spPr>
-          <a:xfrm>
-            <a:off x="3910169" y="3691510"/>
-            <a:ext cx="0" cy="402155"/>
-          </a:xfrm>
-          <a:prstGeom prst="straightConnector1">
-            <a:avLst/>
-          </a:prstGeom>
-          <a:ln w="15875">
-            <a:tailEnd type="triangle"/>
-          </a:ln>
-        </p:spPr>
-        <p:style>
-          <a:lnRef idx="1">
-            <a:schemeClr val="accent1"/>
-          </a:lnRef>
-          <a:fillRef idx="0">
-            <a:schemeClr val="accent1"/>
-          </a:fillRef>
-          <a:effectRef idx="0">
-            <a:schemeClr val="accent1"/>
-          </a:effectRef>
-          <a:fontRef idx="minor">
-            <a:schemeClr val="tx1"/>
-          </a:fontRef>
-        </p:style>
-      </p:cxnSp>
+          </p:spPr>
+          <p:style>
+            <a:lnRef idx="2">
+              <a:schemeClr val="accent1">
+                <a:shade val="50000"/>
+              </a:schemeClr>
+            </a:lnRef>
+            <a:fillRef idx="1">
+              <a:schemeClr val="accent1"/>
+            </a:fillRef>
+            <a:effectRef idx="0">
+              <a:schemeClr val="accent1"/>
+            </a:effectRef>
+            <a:fontRef idx="minor">
+              <a:schemeClr val="lt1"/>
+            </a:fontRef>
+          </p:style>
+          <p:txBody>
+            <a:bodyPr rtlCol="0" anchor="ctr"/>
+            <a:lstStyle/>
+            <a:p>
+              <a:pPr algn="ctr"/>
+              <a:r>
+                <a:rPr lang="en-US" dirty="0"/>
+                <a:t>transmute + wrap </a:t>
+              </a:r>
+            </a:p>
+          </p:txBody>
+        </p:sp>
+        <p:cxnSp>
+          <p:nvCxnSpPr>
+            <p:cNvPr id="68" name="Straight Arrow Connector 67">
+              <a:extLst>
+                <a:ext uri="{FF2B5EF4-FFF2-40B4-BE49-F238E27FC236}">
+                  <a16:creationId xmlns:a16="http://schemas.microsoft.com/office/drawing/2014/main" id="{FCF6B027-BA73-EB48-EC86-7AC4A699420E}"/>
+                </a:ext>
+              </a:extLst>
+            </p:cNvPr>
+            <p:cNvCxnSpPr>
+              <a:cxnSpLocks/>
+              <a:endCxn id="61" idx="3"/>
+            </p:cNvCxnSpPr>
+            <p:nvPr/>
+          </p:nvCxnSpPr>
+          <p:spPr>
+            <a:xfrm flipH="1">
+              <a:off x="4586956" y="4362022"/>
+              <a:ext cx="252278" cy="0"/>
+            </a:xfrm>
+            <a:prstGeom prst="straightConnector1">
+              <a:avLst/>
+            </a:prstGeom>
+            <a:ln w="15875">
+              <a:tailEnd type="triangle"/>
+            </a:ln>
+          </p:spPr>
+          <p:style>
+            <a:lnRef idx="1">
+              <a:schemeClr val="accent1"/>
+            </a:lnRef>
+            <a:fillRef idx="0">
+              <a:schemeClr val="accent1"/>
+            </a:fillRef>
+            <a:effectRef idx="0">
+              <a:schemeClr val="accent1"/>
+            </a:effectRef>
+            <a:fontRef idx="minor">
+              <a:schemeClr val="tx1"/>
+            </a:fontRef>
+          </p:style>
+        </p:cxnSp>
+        <p:sp>
+          <p:nvSpPr>
+            <p:cNvPr id="73" name="TextBox 72">
+              <a:extLst>
+                <a:ext uri="{FF2B5EF4-FFF2-40B4-BE49-F238E27FC236}">
+                  <a16:creationId xmlns:a16="http://schemas.microsoft.com/office/drawing/2014/main" id="{16DCEDF8-AC51-8752-4F82-745CB537CA33}"/>
+                </a:ext>
+              </a:extLst>
+            </p:cNvPr>
+            <p:cNvSpPr txBox="1"/>
+            <p:nvPr/>
+          </p:nvSpPr>
+          <p:spPr>
+            <a:xfrm>
+              <a:off x="4723972" y="2596230"/>
+              <a:ext cx="1990849" cy="707886"/>
+            </a:xfrm>
+            <a:prstGeom prst="rect">
+              <a:avLst/>
+            </a:prstGeom>
+            <a:noFill/>
+          </p:spPr>
+          <p:txBody>
+            <a:bodyPr wrap="square" rtlCol="0">
+              <a:spAutoFit/>
+            </a:bodyPr>
+            <a:lstStyle/>
+            <a:p>
+              <a:pPr algn="ctr"/>
+              <a:r>
+                <a:rPr lang="en-US" sz="2000" dirty="0">
+                  <a:solidFill>
+                    <a:srgbClr val="FFFF00"/>
+                  </a:solidFill>
+                  <a:latin typeface="Arial" panose="020B0604020202020204" pitchFamily="34" charset="0"/>
+                  <a:cs typeface="Arial" panose="020B0604020202020204" pitchFamily="34" charset="0"/>
+                </a:rPr>
+                <a:t>IU runtime crate</a:t>
+              </a:r>
+            </a:p>
+            <a:p>
+              <a:pPr algn="ctr"/>
+              <a:r>
+                <a:rPr lang="en-US" sz="2000" dirty="0">
+                  <a:solidFill>
+                    <a:srgbClr val="FFFF00"/>
+                  </a:solidFill>
+                  <a:latin typeface="Arial" panose="020B0604020202020204" pitchFamily="34" charset="0"/>
+                  <a:cs typeface="Arial" panose="020B0604020202020204" pitchFamily="34" charset="0"/>
+                </a:rPr>
+                <a:t>abstraction</a:t>
+              </a:r>
+            </a:p>
+          </p:txBody>
+        </p:sp>
+        <p:cxnSp>
+          <p:nvCxnSpPr>
+            <p:cNvPr id="75" name="Straight Connector 74">
+              <a:extLst>
+                <a:ext uri="{FF2B5EF4-FFF2-40B4-BE49-F238E27FC236}">
+                  <a16:creationId xmlns:a16="http://schemas.microsoft.com/office/drawing/2014/main" id="{929E03F4-5BAC-B050-C6C5-1C68C00D512D}"/>
+                </a:ext>
+              </a:extLst>
+            </p:cNvPr>
+            <p:cNvCxnSpPr>
+              <a:cxnSpLocks/>
+            </p:cNvCxnSpPr>
+            <p:nvPr/>
+          </p:nvCxnSpPr>
+          <p:spPr>
+            <a:xfrm>
+              <a:off x="4707080" y="1426248"/>
+              <a:ext cx="0" cy="4716135"/>
+            </a:xfrm>
+            <a:prstGeom prst="line">
+              <a:avLst/>
+            </a:prstGeom>
+            <a:ln w="25400">
+              <a:solidFill>
+                <a:schemeClr val="tx1">
+                  <a:lumMod val="75000"/>
+                  <a:lumOff val="25000"/>
+                </a:schemeClr>
+              </a:solidFill>
+              <a:prstDash val="dash"/>
+            </a:ln>
+          </p:spPr>
+          <p:style>
+            <a:lnRef idx="1">
+              <a:schemeClr val="accent1"/>
+            </a:lnRef>
+            <a:fillRef idx="0">
+              <a:schemeClr val="accent1"/>
+            </a:fillRef>
+            <a:effectRef idx="0">
+              <a:schemeClr val="accent1"/>
+            </a:effectRef>
+            <a:fontRef idx="minor">
+              <a:schemeClr val="tx1"/>
+            </a:fontRef>
+          </p:style>
+        </p:cxnSp>
+        <p:sp>
+          <p:nvSpPr>
+            <p:cNvPr id="77" name="TextBox 76">
+              <a:extLst>
+                <a:ext uri="{FF2B5EF4-FFF2-40B4-BE49-F238E27FC236}">
+                  <a16:creationId xmlns:a16="http://schemas.microsoft.com/office/drawing/2014/main" id="{EA19C308-AD62-2E82-9B27-312C9153DA8C}"/>
+                </a:ext>
+              </a:extLst>
+            </p:cNvPr>
+            <p:cNvSpPr txBox="1"/>
+            <p:nvPr/>
+          </p:nvSpPr>
+          <p:spPr>
+            <a:xfrm>
+              <a:off x="4833219" y="1350840"/>
+              <a:ext cx="1013791" cy="369332"/>
+            </a:xfrm>
+            <a:prstGeom prst="rect">
+              <a:avLst/>
+            </a:prstGeom>
+            <a:noFill/>
+          </p:spPr>
+          <p:txBody>
+            <a:bodyPr wrap="square" rtlCol="0">
+              <a:spAutoFit/>
+            </a:bodyPr>
+            <a:lstStyle/>
+            <a:p>
+              <a:r>
+                <a:rPr lang="en-US" dirty="0"/>
+                <a:t>unsafe</a:t>
+              </a:r>
+            </a:p>
+          </p:txBody>
+        </p:sp>
+        <p:sp>
+          <p:nvSpPr>
+            <p:cNvPr id="78" name="TextBox 77">
+              <a:extLst>
+                <a:ext uri="{FF2B5EF4-FFF2-40B4-BE49-F238E27FC236}">
+                  <a16:creationId xmlns:a16="http://schemas.microsoft.com/office/drawing/2014/main" id="{F2EC9EF5-5594-0F1D-99C9-0882239CD417}"/>
+                </a:ext>
+              </a:extLst>
+            </p:cNvPr>
+            <p:cNvSpPr txBox="1"/>
+            <p:nvPr/>
+          </p:nvSpPr>
+          <p:spPr>
+            <a:xfrm>
+              <a:off x="3977420" y="1364398"/>
+              <a:ext cx="1013791" cy="369332"/>
+            </a:xfrm>
+            <a:prstGeom prst="rect">
+              <a:avLst/>
+            </a:prstGeom>
+            <a:noFill/>
+          </p:spPr>
+          <p:txBody>
+            <a:bodyPr wrap="square" rtlCol="0">
+              <a:spAutoFit/>
+            </a:bodyPr>
+            <a:lstStyle/>
+            <a:p>
+              <a:r>
+                <a:rPr lang="en-US" dirty="0"/>
+                <a:t>safe</a:t>
+              </a:r>
+            </a:p>
+          </p:txBody>
+        </p:sp>
+        <p:sp>
+          <p:nvSpPr>
+            <p:cNvPr id="79" name="Rounded Rectangle 78">
+              <a:extLst>
+                <a:ext uri="{FF2B5EF4-FFF2-40B4-BE49-F238E27FC236}">
+                  <a16:creationId xmlns:a16="http://schemas.microsoft.com/office/drawing/2014/main" id="{88A2A266-214E-DFF4-1203-2ABB6FA571CE}"/>
+                </a:ext>
+              </a:extLst>
+            </p:cNvPr>
+            <p:cNvSpPr/>
+            <p:nvPr/>
+          </p:nvSpPr>
+          <p:spPr>
+            <a:xfrm>
+              <a:off x="3233381" y="3154797"/>
+              <a:ext cx="1353575" cy="536713"/>
+            </a:xfrm>
+            <a:prstGeom prst="roundRect">
+              <a:avLst/>
+            </a:prstGeom>
+            <a:solidFill>
+              <a:schemeClr val="bg2">
+                <a:lumMod val="50000"/>
+              </a:schemeClr>
+            </a:solidFill>
+            <a:ln>
+              <a:solidFill>
+                <a:srgbClr val="FF9300"/>
+              </a:solidFill>
+            </a:ln>
+          </p:spPr>
+          <p:style>
+            <a:lnRef idx="2">
+              <a:schemeClr val="accent1">
+                <a:shade val="50000"/>
+              </a:schemeClr>
+            </a:lnRef>
+            <a:fillRef idx="1">
+              <a:schemeClr val="accent1"/>
+            </a:fillRef>
+            <a:effectRef idx="0">
+              <a:schemeClr val="accent1"/>
+            </a:effectRef>
+            <a:fontRef idx="minor">
+              <a:schemeClr val="lt1"/>
+            </a:fontRef>
+          </p:style>
+          <p:txBody>
+            <a:bodyPr rtlCol="0" anchor="ctr"/>
+            <a:lstStyle/>
+            <a:p>
+              <a:pPr algn="ctr"/>
+              <a:r>
+                <a:rPr lang="en-US" dirty="0"/>
+                <a:t>IU map interface</a:t>
+              </a:r>
+            </a:p>
+          </p:txBody>
+        </p:sp>
+        <p:cxnSp>
+          <p:nvCxnSpPr>
+            <p:cNvPr id="81" name="Straight Arrow Connector 80">
+              <a:extLst>
+                <a:ext uri="{FF2B5EF4-FFF2-40B4-BE49-F238E27FC236}">
+                  <a16:creationId xmlns:a16="http://schemas.microsoft.com/office/drawing/2014/main" id="{E8DC8778-AE3C-C475-3BD3-D85324F6182E}"/>
+                </a:ext>
+              </a:extLst>
+            </p:cNvPr>
+            <p:cNvCxnSpPr>
+              <a:cxnSpLocks/>
+              <a:stCxn id="33" idx="2"/>
+              <a:endCxn id="62" idx="3"/>
+            </p:cNvCxnSpPr>
+            <p:nvPr/>
+          </p:nvCxnSpPr>
+          <p:spPr>
+            <a:xfrm flipH="1">
+              <a:off x="5510858" y="3694433"/>
+              <a:ext cx="1594842" cy="399608"/>
+            </a:xfrm>
+            <a:prstGeom prst="straightConnector1">
+              <a:avLst/>
+            </a:prstGeom>
+            <a:ln w="15875">
+              <a:tailEnd type="triangle"/>
+            </a:ln>
+          </p:spPr>
+          <p:style>
+            <a:lnRef idx="1">
+              <a:schemeClr val="accent1"/>
+            </a:lnRef>
+            <a:fillRef idx="0">
+              <a:schemeClr val="accent1"/>
+            </a:fillRef>
+            <a:effectRef idx="0">
+              <a:schemeClr val="accent1"/>
+            </a:effectRef>
+            <a:fontRef idx="minor">
+              <a:schemeClr val="tx1"/>
+            </a:fontRef>
+          </p:style>
+        </p:cxnSp>
+        <p:sp>
+          <p:nvSpPr>
+            <p:cNvPr id="88" name="Rounded Rectangle 87">
+              <a:extLst>
+                <a:ext uri="{FF2B5EF4-FFF2-40B4-BE49-F238E27FC236}">
+                  <a16:creationId xmlns:a16="http://schemas.microsoft.com/office/drawing/2014/main" id="{D0AD0CF3-E8A3-E92A-A150-AEF905E45F07}"/>
+                </a:ext>
+              </a:extLst>
+            </p:cNvPr>
+            <p:cNvSpPr/>
+            <p:nvPr/>
+          </p:nvSpPr>
+          <p:spPr>
+            <a:xfrm>
+              <a:off x="209832" y="1789043"/>
+              <a:ext cx="1878495" cy="3279914"/>
+            </a:xfrm>
+            <a:prstGeom prst="roundRect">
+              <a:avLst/>
+            </a:prstGeom>
+          </p:spPr>
+          <p:style>
+            <a:lnRef idx="2">
+              <a:schemeClr val="accent1">
+                <a:shade val="50000"/>
+              </a:schemeClr>
+            </a:lnRef>
+            <a:fillRef idx="1">
+              <a:schemeClr val="accent1"/>
+            </a:fillRef>
+            <a:effectRef idx="0">
+              <a:schemeClr val="accent1"/>
+            </a:effectRef>
+            <a:fontRef idx="minor">
+              <a:schemeClr val="lt1"/>
+            </a:fontRef>
+          </p:style>
+          <p:txBody>
+            <a:bodyPr rtlCol="0" anchor="ctr"/>
+            <a:lstStyle/>
+            <a:p>
+              <a:pPr algn="ctr"/>
+              <a:r>
+                <a:rPr lang="en-US" dirty="0"/>
+                <a:t>inner-</a:t>
+              </a:r>
+              <a:r>
+                <a:rPr lang="en-US" dirty="0" err="1"/>
+                <a:t>unikernel</a:t>
+              </a:r>
+              <a:endParaRPr lang="en-US" dirty="0"/>
+            </a:p>
+            <a:p>
+              <a:pPr algn="ctr"/>
+              <a:r>
+                <a:rPr lang="en-US" dirty="0"/>
+                <a:t>program</a:t>
+              </a:r>
+            </a:p>
+          </p:txBody>
+        </p:sp>
+        <p:cxnSp>
+          <p:nvCxnSpPr>
+            <p:cNvPr id="90" name="Straight Arrow Connector 89">
+              <a:extLst>
+                <a:ext uri="{FF2B5EF4-FFF2-40B4-BE49-F238E27FC236}">
+                  <a16:creationId xmlns:a16="http://schemas.microsoft.com/office/drawing/2014/main" id="{567E17C8-E0B8-727A-9A3E-2AE1081D5B89}"/>
+                </a:ext>
+              </a:extLst>
+            </p:cNvPr>
+            <p:cNvCxnSpPr>
+              <a:stCxn id="29" idx="1"/>
+            </p:cNvCxnSpPr>
+            <p:nvPr/>
+          </p:nvCxnSpPr>
+          <p:spPr>
+            <a:xfrm flipH="1" flipV="1">
+              <a:off x="2085355" y="2365490"/>
+              <a:ext cx="1142011" cy="1"/>
+            </a:xfrm>
+            <a:prstGeom prst="straightConnector1">
+              <a:avLst/>
+            </a:prstGeom>
+            <a:ln w="15875">
+              <a:tailEnd type="triangle"/>
+            </a:ln>
+          </p:spPr>
+          <p:style>
+            <a:lnRef idx="1">
+              <a:schemeClr val="accent1"/>
+            </a:lnRef>
+            <a:fillRef idx="0">
+              <a:schemeClr val="accent1"/>
+            </a:fillRef>
+            <a:effectRef idx="0">
+              <a:schemeClr val="accent1"/>
+            </a:effectRef>
+            <a:fontRef idx="minor">
+              <a:schemeClr val="tx1"/>
+            </a:fontRef>
+          </p:style>
+        </p:cxnSp>
+        <p:cxnSp>
+          <p:nvCxnSpPr>
+            <p:cNvPr id="91" name="Straight Arrow Connector 90">
+              <a:extLst>
+                <a:ext uri="{FF2B5EF4-FFF2-40B4-BE49-F238E27FC236}">
+                  <a16:creationId xmlns:a16="http://schemas.microsoft.com/office/drawing/2014/main" id="{4EEC93E2-3B4E-83B6-A9B6-C9D3F9B49237}"/>
+                </a:ext>
+              </a:extLst>
+            </p:cNvPr>
+            <p:cNvCxnSpPr>
+              <a:cxnSpLocks/>
+              <a:stCxn id="79" idx="1"/>
+              <a:endCxn id="88" idx="3"/>
+            </p:cNvCxnSpPr>
+            <p:nvPr/>
+          </p:nvCxnSpPr>
+          <p:spPr>
+            <a:xfrm flipH="1">
+              <a:off x="2088327" y="3423154"/>
+              <a:ext cx="1145054" cy="5846"/>
+            </a:xfrm>
+            <a:prstGeom prst="straightConnector1">
+              <a:avLst/>
+            </a:prstGeom>
+            <a:ln w="15875">
+              <a:tailEnd type="triangle"/>
+            </a:ln>
+          </p:spPr>
+          <p:style>
+            <a:lnRef idx="1">
+              <a:schemeClr val="accent1"/>
+            </a:lnRef>
+            <a:fillRef idx="0">
+              <a:schemeClr val="accent1"/>
+            </a:fillRef>
+            <a:effectRef idx="0">
+              <a:schemeClr val="accent1"/>
+            </a:effectRef>
+            <a:fontRef idx="minor">
+              <a:schemeClr val="tx1"/>
+            </a:fontRef>
+          </p:style>
+        </p:cxnSp>
+        <p:cxnSp>
+          <p:nvCxnSpPr>
+            <p:cNvPr id="104" name="Straight Connector 103">
+              <a:extLst>
+                <a:ext uri="{FF2B5EF4-FFF2-40B4-BE49-F238E27FC236}">
+                  <a16:creationId xmlns:a16="http://schemas.microsoft.com/office/drawing/2014/main" id="{E2F6EE67-B74F-E976-EAEE-434FDAAAD089}"/>
+                </a:ext>
+              </a:extLst>
+            </p:cNvPr>
+            <p:cNvCxnSpPr>
+              <a:cxnSpLocks/>
+            </p:cNvCxnSpPr>
+            <p:nvPr/>
+          </p:nvCxnSpPr>
+          <p:spPr>
+            <a:xfrm>
+              <a:off x="9966333" y="1488824"/>
+              <a:ext cx="0" cy="4653559"/>
+            </a:xfrm>
+            <a:prstGeom prst="line">
+              <a:avLst/>
+            </a:prstGeom>
+            <a:ln w="25400">
+              <a:solidFill>
+                <a:schemeClr val="tx1">
+                  <a:lumMod val="75000"/>
+                  <a:lumOff val="25000"/>
+                </a:schemeClr>
+              </a:solidFill>
+              <a:prstDash val="dash"/>
+            </a:ln>
+          </p:spPr>
+          <p:style>
+            <a:lnRef idx="1">
+              <a:schemeClr val="accent1"/>
+            </a:lnRef>
+            <a:fillRef idx="0">
+              <a:schemeClr val="accent1"/>
+            </a:fillRef>
+            <a:effectRef idx="0">
+              <a:schemeClr val="accent1"/>
+            </a:effectRef>
+            <a:fontRef idx="minor">
+              <a:schemeClr val="tx1"/>
+            </a:fontRef>
+          </p:style>
+        </p:cxnSp>
+        <p:sp>
+          <p:nvSpPr>
+            <p:cNvPr id="105" name="TextBox 104">
+              <a:extLst>
+                <a:ext uri="{FF2B5EF4-FFF2-40B4-BE49-F238E27FC236}">
+                  <a16:creationId xmlns:a16="http://schemas.microsoft.com/office/drawing/2014/main" id="{2C45A353-36CD-F9E0-02C8-950C0181374B}"/>
+                </a:ext>
+              </a:extLst>
+            </p:cNvPr>
+            <p:cNvSpPr txBox="1"/>
+            <p:nvPr/>
+          </p:nvSpPr>
+          <p:spPr>
+            <a:xfrm>
+              <a:off x="10092471" y="1425554"/>
+              <a:ext cx="1013791" cy="369332"/>
+            </a:xfrm>
+            <a:prstGeom prst="rect">
+              <a:avLst/>
+            </a:prstGeom>
+            <a:noFill/>
+          </p:spPr>
+          <p:txBody>
+            <a:bodyPr wrap="square" rtlCol="0">
+              <a:spAutoFit/>
+            </a:bodyPr>
+            <a:lstStyle/>
+            <a:p>
+              <a:r>
+                <a:rPr lang="en-US" dirty="0"/>
+                <a:t>kernel</a:t>
+              </a:r>
+            </a:p>
+          </p:txBody>
+        </p:sp>
+        <p:sp>
+          <p:nvSpPr>
+            <p:cNvPr id="106" name="TextBox 105">
+              <a:extLst>
+                <a:ext uri="{FF2B5EF4-FFF2-40B4-BE49-F238E27FC236}">
+                  <a16:creationId xmlns:a16="http://schemas.microsoft.com/office/drawing/2014/main" id="{EB24BC0F-1576-B24B-15D1-80585798A570}"/>
+                </a:ext>
+              </a:extLst>
+            </p:cNvPr>
+            <p:cNvSpPr txBox="1"/>
+            <p:nvPr/>
+          </p:nvSpPr>
+          <p:spPr>
+            <a:xfrm>
+              <a:off x="9236673" y="1426974"/>
+              <a:ext cx="1013791" cy="369332"/>
+            </a:xfrm>
+            <a:prstGeom prst="rect">
+              <a:avLst/>
+            </a:prstGeom>
+            <a:noFill/>
+          </p:spPr>
+          <p:txBody>
+            <a:bodyPr wrap="square" rtlCol="0">
+              <a:spAutoFit/>
+            </a:bodyPr>
+            <a:lstStyle/>
+            <a:p>
+              <a:r>
+                <a:rPr lang="en-US" dirty="0"/>
+                <a:t>user</a:t>
+              </a:r>
+            </a:p>
+          </p:txBody>
+        </p:sp>
+        <p:cxnSp>
+          <p:nvCxnSpPr>
+            <p:cNvPr id="107" name="Straight Connector 106">
+              <a:extLst>
+                <a:ext uri="{FF2B5EF4-FFF2-40B4-BE49-F238E27FC236}">
+                  <a16:creationId xmlns:a16="http://schemas.microsoft.com/office/drawing/2014/main" id="{B978114A-B787-06E7-3694-0618E4ECC2A2}"/>
+                </a:ext>
+              </a:extLst>
+            </p:cNvPr>
+            <p:cNvCxnSpPr>
+              <a:cxnSpLocks/>
+            </p:cNvCxnSpPr>
+            <p:nvPr/>
+          </p:nvCxnSpPr>
+          <p:spPr>
+            <a:xfrm>
+              <a:off x="2562936" y="1422371"/>
+              <a:ext cx="0" cy="4720012"/>
+            </a:xfrm>
+            <a:prstGeom prst="line">
+              <a:avLst/>
+            </a:prstGeom>
+            <a:ln w="25400">
+              <a:solidFill>
+                <a:schemeClr val="tx1">
+                  <a:lumMod val="75000"/>
+                  <a:lumOff val="25000"/>
+                </a:schemeClr>
+              </a:solidFill>
+              <a:prstDash val="dash"/>
+            </a:ln>
+          </p:spPr>
+          <p:style>
+            <a:lnRef idx="1">
+              <a:schemeClr val="accent1"/>
+            </a:lnRef>
+            <a:fillRef idx="0">
+              <a:schemeClr val="accent1"/>
+            </a:fillRef>
+            <a:effectRef idx="0">
+              <a:schemeClr val="accent1"/>
+            </a:effectRef>
+            <a:fontRef idx="minor">
+              <a:schemeClr val="tx1"/>
+            </a:fontRef>
+          </p:style>
+        </p:cxnSp>
+        <p:sp>
+          <p:nvSpPr>
+            <p:cNvPr id="108" name="TextBox 107">
+              <a:extLst>
+                <a:ext uri="{FF2B5EF4-FFF2-40B4-BE49-F238E27FC236}">
+                  <a16:creationId xmlns:a16="http://schemas.microsoft.com/office/drawing/2014/main" id="{A888EEA6-D504-E0FB-4AA0-B4436C900766}"/>
+                </a:ext>
+              </a:extLst>
+            </p:cNvPr>
+            <p:cNvSpPr txBox="1"/>
+            <p:nvPr/>
+          </p:nvSpPr>
+          <p:spPr>
+            <a:xfrm>
+              <a:off x="2689075" y="1346963"/>
+              <a:ext cx="1013791" cy="369332"/>
+            </a:xfrm>
+            <a:prstGeom prst="rect">
+              <a:avLst/>
+            </a:prstGeom>
+            <a:noFill/>
+          </p:spPr>
+          <p:txBody>
+            <a:bodyPr wrap="square" rtlCol="0">
+              <a:spAutoFit/>
+            </a:bodyPr>
+            <a:lstStyle/>
+            <a:p>
+              <a:r>
+                <a:rPr lang="en-US" dirty="0"/>
+                <a:t>trusted</a:t>
+              </a:r>
+            </a:p>
+          </p:txBody>
+        </p:sp>
+        <p:sp>
+          <p:nvSpPr>
+            <p:cNvPr id="109" name="TextBox 108">
+              <a:extLst>
+                <a:ext uri="{FF2B5EF4-FFF2-40B4-BE49-F238E27FC236}">
+                  <a16:creationId xmlns:a16="http://schemas.microsoft.com/office/drawing/2014/main" id="{75F41CD1-7E85-881B-BE7D-1FCEB2C17506}"/>
+                </a:ext>
+              </a:extLst>
+            </p:cNvPr>
+            <p:cNvSpPr txBox="1"/>
+            <p:nvPr/>
+          </p:nvSpPr>
+          <p:spPr>
+            <a:xfrm>
+              <a:off x="1317418" y="1360521"/>
+              <a:ext cx="1529650" cy="369332"/>
+            </a:xfrm>
+            <a:prstGeom prst="rect">
+              <a:avLst/>
+            </a:prstGeom>
+            <a:noFill/>
+          </p:spPr>
+          <p:txBody>
+            <a:bodyPr wrap="square" rtlCol="0">
+              <a:spAutoFit/>
+            </a:bodyPr>
+            <a:lstStyle/>
+            <a:p>
+              <a:r>
+                <a:rPr lang="en-US" dirty="0"/>
+                <a:t>untrusted</a:t>
+              </a:r>
+            </a:p>
+          </p:txBody>
+        </p:sp>
+        <p:cxnSp>
+          <p:nvCxnSpPr>
+            <p:cNvPr id="110" name="Straight Arrow Connector 109">
+              <a:extLst>
+                <a:ext uri="{FF2B5EF4-FFF2-40B4-BE49-F238E27FC236}">
+                  <a16:creationId xmlns:a16="http://schemas.microsoft.com/office/drawing/2014/main" id="{73BF9F92-7EBB-452B-FDAB-C6B62BAC9EA8}"/>
+                </a:ext>
+              </a:extLst>
+            </p:cNvPr>
+            <p:cNvCxnSpPr>
+              <a:cxnSpLocks/>
+              <a:stCxn id="61" idx="1"/>
+            </p:cNvCxnSpPr>
+            <p:nvPr/>
+          </p:nvCxnSpPr>
+          <p:spPr>
+            <a:xfrm flipH="1">
+              <a:off x="2091370" y="4362022"/>
+              <a:ext cx="1142011" cy="0"/>
+            </a:xfrm>
+            <a:prstGeom prst="straightConnector1">
+              <a:avLst/>
+            </a:prstGeom>
+            <a:ln w="15875">
+              <a:tailEnd type="triangle"/>
+            </a:ln>
+          </p:spPr>
+          <p:style>
+            <a:lnRef idx="1">
+              <a:schemeClr val="accent1"/>
+            </a:lnRef>
+            <a:fillRef idx="0">
+              <a:schemeClr val="accent1"/>
+            </a:fillRef>
+            <a:effectRef idx="0">
+              <a:schemeClr val="accent1"/>
+            </a:effectRef>
+            <a:fontRef idx="minor">
+              <a:schemeClr val="tx1"/>
+            </a:fontRef>
+          </p:style>
+        </p:cxnSp>
+        <p:cxnSp>
+          <p:nvCxnSpPr>
+            <p:cNvPr id="125" name="Elbow Connector 124">
+              <a:extLst>
+                <a:ext uri="{FF2B5EF4-FFF2-40B4-BE49-F238E27FC236}">
+                  <a16:creationId xmlns:a16="http://schemas.microsoft.com/office/drawing/2014/main" id="{6604FE83-B75E-5256-FDC2-71EA616DEE3A}"/>
+                </a:ext>
+              </a:extLst>
+            </p:cNvPr>
+            <p:cNvCxnSpPr>
+              <a:cxnSpLocks/>
+              <a:stCxn id="88" idx="2"/>
+            </p:cNvCxnSpPr>
+            <p:nvPr/>
+          </p:nvCxnSpPr>
+          <p:spPr>
+            <a:xfrm rot="16200000" flipH="1">
+              <a:off x="3790726" y="2427310"/>
+              <a:ext cx="685799" cy="5969091"/>
+            </a:xfrm>
+            <a:prstGeom prst="bentConnector2">
+              <a:avLst/>
+            </a:prstGeom>
+            <a:ln w="19050">
+              <a:solidFill>
+                <a:schemeClr val="accent4">
+                  <a:lumMod val="75000"/>
+                </a:schemeClr>
+              </a:solidFill>
+            </a:ln>
+          </p:spPr>
+          <p:style>
+            <a:lnRef idx="1">
+              <a:schemeClr val="accent1"/>
+            </a:lnRef>
+            <a:fillRef idx="0">
+              <a:schemeClr val="accent1"/>
+            </a:fillRef>
+            <a:effectRef idx="0">
+              <a:schemeClr val="accent1"/>
+            </a:effectRef>
+            <a:fontRef idx="minor">
+              <a:schemeClr val="tx1"/>
+            </a:fontRef>
+          </p:style>
+        </p:cxnSp>
+        <p:cxnSp>
+          <p:nvCxnSpPr>
+            <p:cNvPr id="127" name="Straight Arrow Connector 126">
+              <a:extLst>
+                <a:ext uri="{FF2B5EF4-FFF2-40B4-BE49-F238E27FC236}">
+                  <a16:creationId xmlns:a16="http://schemas.microsoft.com/office/drawing/2014/main" id="{6E4F8A60-AD8E-E538-D405-B509B771E1DA}"/>
+                </a:ext>
+              </a:extLst>
+            </p:cNvPr>
+            <p:cNvCxnSpPr>
+              <a:cxnSpLocks/>
+              <a:endCxn id="38" idx="2"/>
+            </p:cNvCxnSpPr>
+            <p:nvPr/>
+          </p:nvCxnSpPr>
+          <p:spPr>
+            <a:xfrm flipV="1">
+              <a:off x="7118171" y="4630762"/>
+              <a:ext cx="0" cy="1123995"/>
+            </a:xfrm>
+            <a:prstGeom prst="straightConnector1">
+              <a:avLst/>
+            </a:prstGeom>
+            <a:ln w="19050">
+              <a:solidFill>
+                <a:schemeClr val="accent4">
+                  <a:lumMod val="75000"/>
+                </a:schemeClr>
+              </a:solidFill>
+              <a:tailEnd type="triangle"/>
+            </a:ln>
+          </p:spPr>
+          <p:style>
+            <a:lnRef idx="1">
+              <a:schemeClr val="accent1"/>
+            </a:lnRef>
+            <a:fillRef idx="0">
+              <a:schemeClr val="accent1"/>
+            </a:fillRef>
+            <a:effectRef idx="0">
+              <a:schemeClr val="accent1"/>
+            </a:effectRef>
+            <a:fontRef idx="minor">
+              <a:schemeClr val="tx1"/>
+            </a:fontRef>
+          </p:style>
+        </p:cxnSp>
+        <p:sp>
+          <p:nvSpPr>
+            <p:cNvPr id="130" name="TextBox 129">
+              <a:extLst>
+                <a:ext uri="{FF2B5EF4-FFF2-40B4-BE49-F238E27FC236}">
+                  <a16:creationId xmlns:a16="http://schemas.microsoft.com/office/drawing/2014/main" id="{775D37A1-CC92-E1B4-55ED-8B087A9F3F5F}"/>
+                </a:ext>
+              </a:extLst>
+            </p:cNvPr>
+            <p:cNvSpPr txBox="1"/>
+            <p:nvPr/>
+          </p:nvSpPr>
+          <p:spPr>
+            <a:xfrm>
+              <a:off x="4510432" y="5605294"/>
+              <a:ext cx="427381" cy="369332"/>
+            </a:xfrm>
+            <a:prstGeom prst="rect">
+              <a:avLst/>
+            </a:prstGeom>
+            <a:noFill/>
+          </p:spPr>
+          <p:txBody>
+            <a:bodyPr wrap="square" rtlCol="0">
+              <a:spAutoFit/>
+            </a:bodyPr>
+            <a:lstStyle/>
+            <a:p>
+              <a:r>
+                <a:rPr lang="en-US" dirty="0"/>
+                <a:t>❌</a:t>
+              </a:r>
+            </a:p>
+          </p:txBody>
+        </p:sp>
+        <p:cxnSp>
+          <p:nvCxnSpPr>
+            <p:cNvPr id="131" name="Straight Arrow Connector 130">
+              <a:extLst>
+                <a:ext uri="{FF2B5EF4-FFF2-40B4-BE49-F238E27FC236}">
+                  <a16:creationId xmlns:a16="http://schemas.microsoft.com/office/drawing/2014/main" id="{1E3DC124-9C87-5D2F-C794-7E5809ED04E7}"/>
+                </a:ext>
+              </a:extLst>
+            </p:cNvPr>
+            <p:cNvCxnSpPr>
+              <a:cxnSpLocks/>
+              <a:stCxn id="29" idx="2"/>
+              <a:endCxn id="62" idx="3"/>
+            </p:cNvCxnSpPr>
+            <p:nvPr/>
+          </p:nvCxnSpPr>
+          <p:spPr>
+            <a:xfrm>
+              <a:off x="3904154" y="2633847"/>
+              <a:ext cx="1606704" cy="1460194"/>
+            </a:xfrm>
+            <a:prstGeom prst="straightConnector1">
+              <a:avLst/>
+            </a:prstGeom>
+            <a:ln w="15875">
+              <a:tailEnd type="triangle"/>
+            </a:ln>
+          </p:spPr>
+          <p:style>
+            <a:lnRef idx="1">
+              <a:schemeClr val="accent1"/>
+            </a:lnRef>
+            <a:fillRef idx="0">
+              <a:schemeClr val="accent1"/>
+            </a:fillRef>
+            <a:effectRef idx="0">
+              <a:schemeClr val="accent1"/>
+            </a:effectRef>
+            <a:fontRef idx="minor">
+              <a:schemeClr val="tx1"/>
+            </a:fontRef>
+          </p:style>
+        </p:cxnSp>
+        <p:cxnSp>
+          <p:nvCxnSpPr>
+            <p:cNvPr id="134" name="Straight Arrow Connector 133">
+              <a:extLst>
+                <a:ext uri="{FF2B5EF4-FFF2-40B4-BE49-F238E27FC236}">
+                  <a16:creationId xmlns:a16="http://schemas.microsoft.com/office/drawing/2014/main" id="{4B8591E0-7568-F2C3-9566-0F00D7E06A9F}"/>
+                </a:ext>
+              </a:extLst>
+            </p:cNvPr>
+            <p:cNvCxnSpPr>
+              <a:cxnSpLocks/>
+              <a:stCxn id="29" idx="2"/>
+              <a:endCxn id="79" idx="0"/>
+            </p:cNvCxnSpPr>
+            <p:nvPr/>
+          </p:nvCxnSpPr>
+          <p:spPr>
+            <a:xfrm>
+              <a:off x="3904154" y="2633847"/>
+              <a:ext cx="6015" cy="520950"/>
+            </a:xfrm>
+            <a:prstGeom prst="straightConnector1">
+              <a:avLst/>
+            </a:prstGeom>
+            <a:ln w="15875">
+              <a:tailEnd type="triangle"/>
+            </a:ln>
+          </p:spPr>
+          <p:style>
+            <a:lnRef idx="1">
+              <a:schemeClr val="accent1"/>
+            </a:lnRef>
+            <a:fillRef idx="0">
+              <a:schemeClr val="accent1"/>
+            </a:fillRef>
+            <a:effectRef idx="0">
+              <a:schemeClr val="accent1"/>
+            </a:effectRef>
+            <a:fontRef idx="minor">
+              <a:schemeClr val="tx1"/>
+            </a:fontRef>
+          </p:style>
+        </p:cxnSp>
+        <p:cxnSp>
+          <p:nvCxnSpPr>
+            <p:cNvPr id="139" name="Straight Arrow Connector 138">
+              <a:extLst>
+                <a:ext uri="{FF2B5EF4-FFF2-40B4-BE49-F238E27FC236}">
+                  <a16:creationId xmlns:a16="http://schemas.microsoft.com/office/drawing/2014/main" id="{858380D5-0701-EFE7-933C-857618CD10BE}"/>
+                </a:ext>
+              </a:extLst>
+            </p:cNvPr>
+            <p:cNvCxnSpPr>
+              <a:cxnSpLocks/>
+              <a:stCxn id="79" idx="2"/>
+              <a:endCxn id="61" idx="0"/>
+            </p:cNvCxnSpPr>
+            <p:nvPr/>
+          </p:nvCxnSpPr>
+          <p:spPr>
+            <a:xfrm>
+              <a:off x="3910169" y="3691510"/>
+              <a:ext cx="0" cy="402155"/>
+            </a:xfrm>
+            <a:prstGeom prst="straightConnector1">
+              <a:avLst/>
+            </a:prstGeom>
+            <a:ln w="15875">
+              <a:tailEnd type="triangle"/>
+            </a:ln>
+          </p:spPr>
+          <p:style>
+            <a:lnRef idx="1">
+              <a:schemeClr val="accent1"/>
+            </a:lnRef>
+            <a:fillRef idx="0">
+              <a:schemeClr val="accent1"/>
+            </a:fillRef>
+            <a:effectRef idx="0">
+              <a:schemeClr val="accent1"/>
+            </a:effectRef>
+            <a:fontRef idx="minor">
+              <a:schemeClr val="tx1"/>
+            </a:fontRef>
+          </p:style>
+        </p:cxnSp>
+      </p:grpSp>
     </p:spTree>
     <p:extLst>
       <p:ext uri="{BB962C8B-B14F-4D97-AF65-F5344CB8AC3E}">
